--- a/research/com/assets/Vision Impair Poster.pptx
+++ b/research/com/assets/Vision Impair Poster.pptx
@@ -243,7 +243,7 @@
           <a:p>
             <a:fld id="{1A216F65-0C9C-45E1-BCCD-B29180FE12C4}" type="datetimeFigureOut">
               <a:rPr lang="en-US" smtClean="0"/>
-              <a:t>2/7/2018</a:t>
+              <a:t>2/27/2018</a:t>
             </a:fld>
             <a:endParaRPr lang="en-US"/>
           </a:p>
@@ -413,7 +413,7 @@
           <a:p>
             <a:fld id="{1A216F65-0C9C-45E1-BCCD-B29180FE12C4}" type="datetimeFigureOut">
               <a:rPr lang="en-US" smtClean="0"/>
-              <a:t>2/7/2018</a:t>
+              <a:t>2/27/2018</a:t>
             </a:fld>
             <a:endParaRPr lang="en-US"/>
           </a:p>
@@ -593,7 +593,7 @@
           <a:p>
             <a:fld id="{1A216F65-0C9C-45E1-BCCD-B29180FE12C4}" type="datetimeFigureOut">
               <a:rPr lang="en-US" smtClean="0"/>
-              <a:t>2/7/2018</a:t>
+              <a:t>2/27/2018</a:t>
             </a:fld>
             <a:endParaRPr lang="en-US"/>
           </a:p>
@@ -763,7 +763,7 @@
           <a:p>
             <a:fld id="{1A216F65-0C9C-45E1-BCCD-B29180FE12C4}" type="datetimeFigureOut">
               <a:rPr lang="en-US" smtClean="0"/>
-              <a:t>2/7/2018</a:t>
+              <a:t>2/27/2018</a:t>
             </a:fld>
             <a:endParaRPr lang="en-US"/>
           </a:p>
@@ -1007,7 +1007,7 @@
           <a:p>
             <a:fld id="{1A216F65-0C9C-45E1-BCCD-B29180FE12C4}" type="datetimeFigureOut">
               <a:rPr lang="en-US" smtClean="0"/>
-              <a:t>2/7/2018</a:t>
+              <a:t>2/27/2018</a:t>
             </a:fld>
             <a:endParaRPr lang="en-US"/>
           </a:p>
@@ -1239,7 +1239,7 @@
           <a:p>
             <a:fld id="{1A216F65-0C9C-45E1-BCCD-B29180FE12C4}" type="datetimeFigureOut">
               <a:rPr lang="en-US" smtClean="0"/>
-              <a:t>2/7/2018</a:t>
+              <a:t>2/27/2018</a:t>
             </a:fld>
             <a:endParaRPr lang="en-US"/>
           </a:p>
@@ -1606,7 +1606,7 @@
           <a:p>
             <a:fld id="{1A216F65-0C9C-45E1-BCCD-B29180FE12C4}" type="datetimeFigureOut">
               <a:rPr lang="en-US" smtClean="0"/>
-              <a:t>2/7/2018</a:t>
+              <a:t>2/27/2018</a:t>
             </a:fld>
             <a:endParaRPr lang="en-US"/>
           </a:p>
@@ -1724,7 +1724,7 @@
           <a:p>
             <a:fld id="{1A216F65-0C9C-45E1-BCCD-B29180FE12C4}" type="datetimeFigureOut">
               <a:rPr lang="en-US" smtClean="0"/>
-              <a:t>2/7/2018</a:t>
+              <a:t>2/27/2018</a:t>
             </a:fld>
             <a:endParaRPr lang="en-US"/>
           </a:p>
@@ -1819,7 +1819,7 @@
           <a:p>
             <a:fld id="{1A216F65-0C9C-45E1-BCCD-B29180FE12C4}" type="datetimeFigureOut">
               <a:rPr lang="en-US" smtClean="0"/>
-              <a:t>2/7/2018</a:t>
+              <a:t>2/27/2018</a:t>
             </a:fld>
             <a:endParaRPr lang="en-US"/>
           </a:p>
@@ -2096,7 +2096,7 @@
           <a:p>
             <a:fld id="{1A216F65-0C9C-45E1-BCCD-B29180FE12C4}" type="datetimeFigureOut">
               <a:rPr lang="en-US" smtClean="0"/>
-              <a:t>2/7/2018</a:t>
+              <a:t>2/27/2018</a:t>
             </a:fld>
             <a:endParaRPr lang="en-US"/>
           </a:p>
@@ -2353,7 +2353,7 @@
           <a:p>
             <a:fld id="{1A216F65-0C9C-45E1-BCCD-B29180FE12C4}" type="datetimeFigureOut">
               <a:rPr lang="en-US" smtClean="0"/>
-              <a:t>2/7/2018</a:t>
+              <a:t>2/27/2018</a:t>
             </a:fld>
             <a:endParaRPr lang="en-US"/>
           </a:p>
@@ -2566,7 +2566,7 @@
           <a:p>
             <a:fld id="{1A216F65-0C9C-45E1-BCCD-B29180FE12C4}" type="datetimeFigureOut">
               <a:rPr lang="en-US" smtClean="0"/>
-              <a:t>2/7/2018</a:t>
+              <a:t>2/27/2018</a:t>
             </a:fld>
             <a:endParaRPr lang="en-US"/>
           </a:p>
@@ -2973,6 +2973,256 @@
       </p:grpSpPr>
       <p:sp>
         <p:nvSpPr>
+          <p:cNvPr id="70" name="Rectangle 69">
+            <a:extLst>
+              <a:ext uri="{FF2B5EF4-FFF2-40B4-BE49-F238E27FC236}">
+                <a16:creationId xmlns:a16="http://schemas.microsoft.com/office/drawing/2014/main" id="{A407564F-CE5B-4125-BC3F-DFECB9DE362E}"/>
+              </a:ext>
+            </a:extLst>
+          </p:cNvPr>
+          <p:cNvSpPr/>
+          <p:nvPr/>
+        </p:nvSpPr>
+        <p:spPr>
+          <a:xfrm>
+            <a:off x="0" y="-67308"/>
+            <a:ext cx="42794238" cy="3742678"/>
+          </a:xfrm>
+          <a:prstGeom prst="rect">
+            <a:avLst/>
+          </a:prstGeom>
+          <a:solidFill>
+            <a:schemeClr val="accent1">
+              <a:lumMod val="40000"/>
+              <a:lumOff val="60000"/>
+            </a:schemeClr>
+          </a:solidFill>
+        </p:spPr>
+        <p:style>
+          <a:lnRef idx="2">
+            <a:schemeClr val="accent1">
+              <a:shade val="50000"/>
+            </a:schemeClr>
+          </a:lnRef>
+          <a:fillRef idx="1">
+            <a:schemeClr val="accent1"/>
+          </a:fillRef>
+          <a:effectRef idx="0">
+            <a:schemeClr val="accent1"/>
+          </a:effectRef>
+          <a:fontRef idx="minor">
+            <a:schemeClr val="lt1"/>
+          </a:fontRef>
+        </p:style>
+        <p:txBody>
+          <a:bodyPr rtlCol="0" anchor="ctr"/>
+          <a:lstStyle/>
+          <a:p>
+            <a:pPr algn="ctr"/>
+            <a:endParaRPr lang="en-US"/>
+          </a:p>
+        </p:txBody>
+      </p:sp>
+      <p:sp>
+        <p:nvSpPr>
+          <p:cNvPr id="16" name="Rectangle 15">
+            <a:extLst>
+              <a:ext uri="{FF2B5EF4-FFF2-40B4-BE49-F238E27FC236}">
+                <a16:creationId xmlns:a16="http://schemas.microsoft.com/office/drawing/2014/main" id="{38FC9C14-2E6F-4A2F-9C0A-9F3A763A65F0}"/>
+              </a:ext>
+            </a:extLst>
+          </p:cNvPr>
+          <p:cNvSpPr/>
+          <p:nvPr/>
+        </p:nvSpPr>
+        <p:spPr>
+          <a:xfrm>
+            <a:off x="1" y="2895590"/>
+            <a:ext cx="42794238" cy="27371684"/>
+          </a:xfrm>
+          <a:prstGeom prst="rect">
+            <a:avLst/>
+          </a:prstGeom>
+          <a:solidFill>
+            <a:schemeClr val="accent1">
+              <a:lumMod val="75000"/>
+            </a:schemeClr>
+          </a:solidFill>
+        </p:spPr>
+        <p:style>
+          <a:lnRef idx="2">
+            <a:schemeClr val="accent1">
+              <a:shade val="50000"/>
+            </a:schemeClr>
+          </a:lnRef>
+          <a:fillRef idx="1">
+            <a:schemeClr val="accent1"/>
+          </a:fillRef>
+          <a:effectRef idx="0">
+            <a:schemeClr val="accent1"/>
+          </a:effectRef>
+          <a:fontRef idx="minor">
+            <a:schemeClr val="lt1"/>
+          </a:fontRef>
+        </p:style>
+        <p:txBody>
+          <a:bodyPr rtlCol="0" anchor="ctr"/>
+          <a:lstStyle/>
+          <a:p>
+            <a:pPr algn="ctr"/>
+            <a:endParaRPr lang="en-US"/>
+          </a:p>
+        </p:txBody>
+      </p:sp>
+      <p:sp>
+        <p:nvSpPr>
+          <p:cNvPr id="48" name="Rectangle 47">
+            <a:extLst>
+              <a:ext uri="{FF2B5EF4-FFF2-40B4-BE49-F238E27FC236}">
+                <a16:creationId xmlns:a16="http://schemas.microsoft.com/office/drawing/2014/main" id="{BD0A870D-7146-4956-991D-974EB213B24F}"/>
+              </a:ext>
+            </a:extLst>
+          </p:cNvPr>
+          <p:cNvSpPr/>
+          <p:nvPr/>
+        </p:nvSpPr>
+        <p:spPr>
+          <a:xfrm>
+            <a:off x="29716220" y="3323910"/>
+            <a:ext cx="12192636" cy="25511760"/>
+          </a:xfrm>
+          <a:prstGeom prst="rect">
+            <a:avLst/>
+          </a:prstGeom>
+          <a:solidFill>
+            <a:schemeClr val="bg1"/>
+          </a:solidFill>
+        </p:spPr>
+        <p:style>
+          <a:lnRef idx="2">
+            <a:schemeClr val="accent1">
+              <a:shade val="50000"/>
+            </a:schemeClr>
+          </a:lnRef>
+          <a:fillRef idx="1">
+            <a:schemeClr val="accent1"/>
+          </a:fillRef>
+          <a:effectRef idx="0">
+            <a:schemeClr val="accent1"/>
+          </a:effectRef>
+          <a:fontRef idx="minor">
+            <a:schemeClr val="lt1"/>
+          </a:fontRef>
+        </p:style>
+        <p:txBody>
+          <a:bodyPr rtlCol="0" anchor="ctr"/>
+          <a:lstStyle/>
+          <a:p>
+            <a:pPr algn="ctr"/>
+            <a:endParaRPr lang="en-US"/>
+          </a:p>
+        </p:txBody>
+      </p:sp>
+      <p:sp>
+        <p:nvSpPr>
+          <p:cNvPr id="23" name="Rectangle 22">
+            <a:extLst>
+              <a:ext uri="{FF2B5EF4-FFF2-40B4-BE49-F238E27FC236}">
+                <a16:creationId xmlns:a16="http://schemas.microsoft.com/office/drawing/2014/main" id="{842FCEC2-7B9A-44CE-8C2B-BC042045BD67}"/>
+              </a:ext>
+            </a:extLst>
+          </p:cNvPr>
+          <p:cNvSpPr/>
+          <p:nvPr/>
+        </p:nvSpPr>
+        <p:spPr>
+          <a:xfrm>
+            <a:off x="15335835" y="3324999"/>
+            <a:ext cx="12254569" cy="25511760"/>
+          </a:xfrm>
+          <a:prstGeom prst="rect">
+            <a:avLst/>
+          </a:prstGeom>
+          <a:solidFill>
+            <a:schemeClr val="bg1"/>
+          </a:solidFill>
+        </p:spPr>
+        <p:style>
+          <a:lnRef idx="2">
+            <a:schemeClr val="accent1">
+              <a:shade val="50000"/>
+            </a:schemeClr>
+          </a:lnRef>
+          <a:fillRef idx="1">
+            <a:schemeClr val="accent1"/>
+          </a:fillRef>
+          <a:effectRef idx="0">
+            <a:schemeClr val="accent1"/>
+          </a:effectRef>
+          <a:fontRef idx="minor">
+            <a:schemeClr val="lt1"/>
+          </a:fontRef>
+        </p:style>
+        <p:txBody>
+          <a:bodyPr rtlCol="0" anchor="ctr"/>
+          <a:lstStyle/>
+          <a:p>
+            <a:pPr algn="ctr"/>
+            <a:endParaRPr lang="en-US"/>
+          </a:p>
+        </p:txBody>
+      </p:sp>
+      <p:sp>
+        <p:nvSpPr>
+          <p:cNvPr id="20" name="Rectangle 19">
+            <a:extLst>
+              <a:ext uri="{FF2B5EF4-FFF2-40B4-BE49-F238E27FC236}">
+                <a16:creationId xmlns:a16="http://schemas.microsoft.com/office/drawing/2014/main" id="{206FD1C2-7C4F-4C42-BA0C-165D1F918930}"/>
+              </a:ext>
+            </a:extLst>
+          </p:cNvPr>
+          <p:cNvSpPr/>
+          <p:nvPr/>
+        </p:nvSpPr>
+        <p:spPr>
+          <a:xfrm>
+            <a:off x="935302" y="3321880"/>
+            <a:ext cx="12229040" cy="25514878"/>
+          </a:xfrm>
+          <a:prstGeom prst="rect">
+            <a:avLst/>
+          </a:prstGeom>
+          <a:solidFill>
+            <a:schemeClr val="bg1"/>
+          </a:solidFill>
+        </p:spPr>
+        <p:style>
+          <a:lnRef idx="2">
+            <a:schemeClr val="accent1">
+              <a:shade val="50000"/>
+            </a:schemeClr>
+          </a:lnRef>
+          <a:fillRef idx="1">
+            <a:schemeClr val="accent1"/>
+          </a:fillRef>
+          <a:effectRef idx="0">
+            <a:schemeClr val="accent1"/>
+          </a:effectRef>
+          <a:fontRef idx="minor">
+            <a:schemeClr val="lt1"/>
+          </a:fontRef>
+        </p:style>
+        <p:txBody>
+          <a:bodyPr rtlCol="0" anchor="ctr"/>
+          <a:lstStyle/>
+          <a:p>
+            <a:pPr algn="ctr"/>
+            <a:endParaRPr lang="en-US"/>
+          </a:p>
+        </p:txBody>
+      </p:sp>
+      <p:sp>
+        <p:nvSpPr>
           <p:cNvPr id="4" name="TextBox 3">
             <a:extLst>
               <a:ext uri="{FF2B5EF4-FFF2-40B4-BE49-F238E27FC236}">
@@ -3022,7 +3272,7 @@
         </p:nvSpPr>
         <p:spPr>
           <a:xfrm>
-            <a:off x="15316437" y="3318153"/>
+            <a:off x="15361866" y="3324998"/>
             <a:ext cx="12192635" cy="25511760"/>
           </a:xfrm>
           <a:prstGeom prst="rect">
@@ -3059,7 +3309,7 @@
         </p:nvSpPr>
         <p:spPr>
           <a:xfrm>
-            <a:off x="29401756" y="3324998"/>
+            <a:off x="29705540" y="3322124"/>
             <a:ext cx="12192636" cy="25511760"/>
           </a:xfrm>
           <a:prstGeom prst="rect">
@@ -3100,8 +3350,8 @@
         </p:nvSpPr>
         <p:spPr>
           <a:xfrm>
-            <a:off x="0" y="0"/>
-            <a:ext cx="42794238" cy="1827257"/>
+            <a:off x="5883165" y="-31270"/>
+            <a:ext cx="36911073" cy="1655880"/>
           </a:xfrm>
         </p:spPr>
         <p:txBody>
@@ -3111,7 +3361,7 @@
           <a:lstStyle/>
           <a:p>
             <a:r>
-              <a:rPr lang="en-US" sz="9600" b="1" dirty="0">
+              <a:rPr lang="en-US" sz="8800" b="1" dirty="0">
                 <a:latin typeface="Times New Roman" panose="02020603050405020304" pitchFamily="18" charset="0"/>
                 <a:cs typeface="Times New Roman" panose="02020603050405020304" pitchFamily="18" charset="0"/>
               </a:rPr>
@@ -3195,8 +3445,8 @@
         </p:blipFill>
         <p:spPr>
           <a:xfrm>
-            <a:off x="37769786" y="24981038"/>
-            <a:ext cx="3810000" cy="3810000"/>
+            <a:off x="37314206" y="24377885"/>
+            <a:ext cx="4521100" cy="4317595"/>
           </a:xfrm>
           <a:prstGeom prst="rect">
             <a:avLst/>
@@ -3205,10 +3455,10 @@
       </p:pic>
       <p:sp>
         <p:nvSpPr>
-          <p:cNvPr id="9" name="TextBox 8">
+          <p:cNvPr id="10" name="TextBox 9">
             <a:extLst>
               <a:ext uri="{FF2B5EF4-FFF2-40B4-BE49-F238E27FC236}">
-                <a16:creationId xmlns:a16="http://schemas.microsoft.com/office/drawing/2014/main" id="{6D298C1F-1A23-494F-85DD-8823F4B7DE16}"/>
+                <a16:creationId xmlns:a16="http://schemas.microsoft.com/office/drawing/2014/main" id="{89BEC397-916E-4817-8714-C22A711124F5}"/>
               </a:ext>
             </a:extLst>
           </p:cNvPr>
@@ -3217,8 +3467,8 @@
         </p:nvSpPr>
         <p:spPr>
           <a:xfrm>
-            <a:off x="982387" y="3426126"/>
-            <a:ext cx="12192635" cy="861774"/>
+            <a:off x="998024" y="4628777"/>
+            <a:ext cx="6551876" cy="3600986"/>
           </a:xfrm>
           <a:prstGeom prst="rect">
             <a:avLst/>
@@ -3231,23 +3481,22 @@
           </a:bodyPr>
           <a:lstStyle/>
           <a:p>
-            <a:pPr algn="ctr"/>
-            <a:r>
-              <a:rPr lang="en-US" sz="5000" b="1" dirty="0">
-                <a:latin typeface="Times New Roman" panose="02020603050405020304" pitchFamily="18" charset="0"/>
-                <a:cs typeface="Times New Roman" panose="02020603050405020304" pitchFamily="18" charset="0"/>
-              </a:rPr>
-              <a:t>Introduction</a:t>
-            </a:r>
-          </a:p>
-        </p:txBody>
-      </p:sp>
-      <p:sp>
-        <p:nvSpPr>
-          <p:cNvPr id="10" name="TextBox 9">
+            <a:r>
+              <a:rPr lang="en-US" sz="3800" dirty="0">
+                <a:latin typeface="Times New Roman" panose="02020603050405020304" pitchFamily="18" charset="0"/>
+                <a:cs typeface="Times New Roman" panose="02020603050405020304" pitchFamily="18" charset="0"/>
+              </a:rPr>
+              <a:t>With almost one in five Australians experiencing some form of disability, a large proportion of the community face challenges to actively participate in city life. </a:t>
+            </a:r>
+          </a:p>
+        </p:txBody>
+      </p:sp>
+      <p:sp>
+        <p:nvSpPr>
+          <p:cNvPr id="17" name="TextBox 16">
             <a:extLst>
               <a:ext uri="{FF2B5EF4-FFF2-40B4-BE49-F238E27FC236}">
-                <a16:creationId xmlns:a16="http://schemas.microsoft.com/office/drawing/2014/main" id="{89BEC397-916E-4817-8714-C22A711124F5}"/>
+                <a16:creationId xmlns:a16="http://schemas.microsoft.com/office/drawing/2014/main" id="{3341E889-545C-414C-8BD8-A3625D0A0F70}"/>
               </a:ext>
             </a:extLst>
           </p:cNvPr>
@@ -3256,8 +3505,8 @@
         </p:nvSpPr>
         <p:spPr>
           <a:xfrm>
-            <a:off x="998024" y="4628777"/>
-            <a:ext cx="6551876" cy="3600986"/>
+            <a:off x="958015" y="8177456"/>
+            <a:ext cx="12239545" cy="1846659"/>
           </a:xfrm>
           <a:prstGeom prst="rect">
             <a:avLst/>
@@ -3275,17 +3524,17 @@
                 <a:latin typeface="Times New Roman" panose="02020603050405020304" pitchFamily="18" charset="0"/>
                 <a:cs typeface="Times New Roman" panose="02020603050405020304" pitchFamily="18" charset="0"/>
               </a:rPr>
-              <a:t>With almost one in five Australians experiencing some form of disability, a large proportion of the community face challenges to actively participate in city life. </a:t>
-            </a:r>
-          </a:p>
-        </p:txBody>
-      </p:sp>
-      <p:sp>
-        <p:nvSpPr>
-          <p:cNvPr id="13" name="TextBox 12">
+              <a:t>This project is developing a long-term technology-enabled solution to assist journey preparation for members of vision impaired community.</a:t>
+            </a:r>
+          </a:p>
+        </p:txBody>
+      </p:sp>
+      <p:sp>
+        <p:nvSpPr>
+          <p:cNvPr id="18" name="TextBox 17">
             <a:extLst>
               <a:ext uri="{FF2B5EF4-FFF2-40B4-BE49-F238E27FC236}">
-                <a16:creationId xmlns:a16="http://schemas.microsoft.com/office/drawing/2014/main" id="{89A11050-E8C0-42C3-A1C4-DAC1D8208221}"/>
+                <a16:creationId xmlns:a16="http://schemas.microsoft.com/office/drawing/2014/main" id="{088C0E8B-8CF4-4CC2-A289-501FE1AF1B72}"/>
               </a:ext>
             </a:extLst>
           </p:cNvPr>
@@ -3294,8 +3543,8 @@
         </p:nvSpPr>
         <p:spPr>
           <a:xfrm>
-            <a:off x="29462786" y="22284670"/>
-            <a:ext cx="3802293" cy="1631216"/>
+            <a:off x="1130024" y="11152500"/>
+            <a:ext cx="12153545" cy="1261884"/>
           </a:xfrm>
           <a:prstGeom prst="rect">
             <a:avLst/>
@@ -3308,23 +3557,22 @@
           </a:bodyPr>
           <a:lstStyle/>
           <a:p>
-            <a:pPr algn="ctr"/>
-            <a:r>
-              <a:rPr lang="en-US" sz="5000" b="1" dirty="0">
-                <a:latin typeface="Times New Roman" panose="02020603050405020304" pitchFamily="18" charset="0"/>
-                <a:cs typeface="Times New Roman" panose="02020603050405020304" pitchFamily="18" charset="0"/>
-              </a:rPr>
-              <a:t>Main Equipment</a:t>
-            </a:r>
-          </a:p>
-        </p:txBody>
-      </p:sp>
-      <p:sp>
-        <p:nvSpPr>
-          <p:cNvPr id="14" name="TextBox 13">
+            <a:r>
+              <a:rPr lang="en-US" sz="3800" dirty="0">
+                <a:latin typeface="Times New Roman" panose="02020603050405020304" pitchFamily="18" charset="0"/>
+                <a:cs typeface="Times New Roman" panose="02020603050405020304" pitchFamily="18" charset="0"/>
+              </a:rPr>
+              <a:t>We develop an auditory-based simulator to simulate the sensory experience of a specific location in Melbourne’s</a:t>
+            </a:r>
+          </a:p>
+        </p:txBody>
+      </p:sp>
+      <p:sp>
+        <p:nvSpPr>
+          <p:cNvPr id="19" name="TextBox 18">
             <a:extLst>
               <a:ext uri="{FF2B5EF4-FFF2-40B4-BE49-F238E27FC236}">
-                <a16:creationId xmlns:a16="http://schemas.microsoft.com/office/drawing/2014/main" id="{CF6B3986-5A85-43E6-A268-3A547C4114AA}"/>
+                <a16:creationId xmlns:a16="http://schemas.microsoft.com/office/drawing/2014/main" id="{32FB72D3-E09B-4EA3-B834-281DFF4AF0FE}"/>
               </a:ext>
             </a:extLst>
           </p:cNvPr>
@@ -3333,8 +3581,8 @@
         </p:nvSpPr>
         <p:spPr>
           <a:xfrm>
-            <a:off x="912024" y="10195811"/>
-            <a:ext cx="12192635" cy="861774"/>
+            <a:off x="36748935" y="22424417"/>
+            <a:ext cx="4957184" cy="2031325"/>
           </a:xfrm>
           <a:prstGeom prst="rect">
             <a:avLst/>
@@ -3347,127 +3595,12 @@
           </a:bodyPr>
           <a:lstStyle/>
           <a:p>
-            <a:pPr algn="ctr"/>
             <a:r>
               <a:rPr lang="en-US" sz="5000" b="1" dirty="0">
                 <a:latin typeface="Times New Roman" panose="02020603050405020304" pitchFamily="18" charset="0"/>
                 <a:cs typeface="Times New Roman" panose="02020603050405020304" pitchFamily="18" charset="0"/>
               </a:rPr>
-              <a:t>Methods</a:t>
-            </a:r>
-          </a:p>
-        </p:txBody>
-      </p:sp>
-      <p:sp>
-        <p:nvSpPr>
-          <p:cNvPr id="17" name="TextBox 16">
-            <a:extLst>
-              <a:ext uri="{FF2B5EF4-FFF2-40B4-BE49-F238E27FC236}">
-                <a16:creationId xmlns:a16="http://schemas.microsoft.com/office/drawing/2014/main" id="{3341E889-545C-414C-8BD8-A3625D0A0F70}"/>
-              </a:ext>
-            </a:extLst>
-          </p:cNvPr>
-          <p:cNvSpPr txBox="1"/>
-          <p:nvPr/>
-        </p:nvSpPr>
-        <p:spPr>
-          <a:xfrm>
-            <a:off x="935477" y="8233807"/>
-            <a:ext cx="12239545" cy="1846659"/>
-          </a:xfrm>
-          <a:prstGeom prst="rect">
-            <a:avLst/>
-          </a:prstGeom>
-          <a:noFill/>
-        </p:spPr>
-        <p:txBody>
-          <a:bodyPr wrap="square" rtlCol="0">
-            <a:spAutoFit/>
-          </a:bodyPr>
-          <a:lstStyle/>
-          <a:p>
-            <a:r>
-              <a:rPr lang="en-US" sz="3800" dirty="0">
-                <a:latin typeface="Times New Roman" panose="02020603050405020304" pitchFamily="18" charset="0"/>
-                <a:cs typeface="Times New Roman" panose="02020603050405020304" pitchFamily="18" charset="0"/>
-              </a:rPr>
-              <a:t>This project demonstrates a long-term technology-enabled solution to issues experienced by people with vision impaired. </a:t>
-            </a:r>
-          </a:p>
-        </p:txBody>
-      </p:sp>
-      <p:sp>
-        <p:nvSpPr>
-          <p:cNvPr id="18" name="TextBox 17">
-            <a:extLst>
-              <a:ext uri="{FF2B5EF4-FFF2-40B4-BE49-F238E27FC236}">
-                <a16:creationId xmlns:a16="http://schemas.microsoft.com/office/drawing/2014/main" id="{088C0E8B-8CF4-4CC2-A289-501FE1AF1B72}"/>
-              </a:ext>
-            </a:extLst>
-          </p:cNvPr>
-          <p:cNvSpPr txBox="1"/>
-          <p:nvPr/>
-        </p:nvSpPr>
-        <p:spPr>
-          <a:xfrm>
-            <a:off x="1130024" y="11080869"/>
-            <a:ext cx="12153545" cy="1261884"/>
-          </a:xfrm>
-          <a:prstGeom prst="rect">
-            <a:avLst/>
-          </a:prstGeom>
-          <a:noFill/>
-        </p:spPr>
-        <p:txBody>
-          <a:bodyPr wrap="square" rtlCol="0">
-            <a:spAutoFit/>
-          </a:bodyPr>
-          <a:lstStyle/>
-          <a:p>
-            <a:r>
-              <a:rPr lang="en-US" sz="3800" dirty="0">
-                <a:latin typeface="Times New Roman" panose="02020603050405020304" pitchFamily="18" charset="0"/>
-                <a:cs typeface="Times New Roman" panose="02020603050405020304" pitchFamily="18" charset="0"/>
-              </a:rPr>
-              <a:t>We develop an auditory-based simulator to simulate the sensory experience of a specific location in Melbourne’s</a:t>
-            </a:r>
-          </a:p>
-        </p:txBody>
-      </p:sp>
-      <p:sp>
-        <p:nvSpPr>
-          <p:cNvPr id="19" name="TextBox 18">
-            <a:extLst>
-              <a:ext uri="{FF2B5EF4-FFF2-40B4-BE49-F238E27FC236}">
-                <a16:creationId xmlns:a16="http://schemas.microsoft.com/office/drawing/2014/main" id="{32FB72D3-E09B-4EA3-B834-281DFF4AF0FE}"/>
-              </a:ext>
-            </a:extLst>
-          </p:cNvPr>
-          <p:cNvSpPr txBox="1"/>
-          <p:nvPr/>
-        </p:nvSpPr>
-        <p:spPr>
-          <a:xfrm>
-            <a:off x="29509162" y="27367348"/>
-            <a:ext cx="8314423" cy="1446550"/>
-          </a:xfrm>
-          <a:prstGeom prst="rect">
-            <a:avLst/>
-          </a:prstGeom>
-          <a:noFill/>
-        </p:spPr>
-        <p:txBody>
-          <a:bodyPr wrap="square" rtlCol="0">
-            <a:spAutoFit/>
-          </a:bodyPr>
-          <a:lstStyle/>
-          <a:p>
-            <a:r>
-              <a:rPr lang="en-US" sz="5000" b="1" dirty="0">
-                <a:latin typeface="Times New Roman" panose="02020603050405020304" pitchFamily="18" charset="0"/>
-                <a:cs typeface="Times New Roman" panose="02020603050405020304" pitchFamily="18" charset="0"/>
-              </a:rPr>
-              <a:t>    Project website</a:t>
+              <a:t>    </a:t>
             </a:r>
             <a:br>
               <a:rPr lang="en-US" sz="3800" dirty="0">
@@ -3532,8 +3665,8 @@
         </p:blipFill>
         <p:spPr>
           <a:xfrm>
-            <a:off x="36716487" y="12594931"/>
-            <a:ext cx="4113123" cy="3953218"/>
+            <a:off x="38810677" y="14000853"/>
+            <a:ext cx="2798626" cy="2431435"/>
           </a:xfrm>
           <a:prstGeom prst="rect">
             <a:avLst/>
@@ -3562,7 +3695,7 @@
         </p:blipFill>
         <p:spPr>
           <a:xfrm>
-            <a:off x="21737213" y="17226646"/>
+            <a:off x="21782642" y="17233491"/>
             <a:ext cx="5469428" cy="2749443"/>
           </a:xfrm>
           <a:prstGeom prst="rect">
@@ -3599,7 +3732,7 @@
         </p:blipFill>
         <p:spPr bwMode="auto">
           <a:xfrm>
-            <a:off x="8770786" y="12815717"/>
+            <a:off x="8770786" y="12887348"/>
             <a:ext cx="4291303" cy="4046086"/>
           </a:xfrm>
           <a:prstGeom prst="rect">
@@ -3631,7 +3764,7 @@
         </p:nvSpPr>
         <p:spPr>
           <a:xfrm>
-            <a:off x="1086759" y="12350011"/>
+            <a:off x="1086759" y="12421642"/>
             <a:ext cx="7878683" cy="4770537"/>
           </a:xfrm>
           <a:prstGeom prst="rect">
@@ -3657,10 +3790,10 @@
       </p:sp>
       <p:sp>
         <p:nvSpPr>
-          <p:cNvPr id="26" name="TextBox 25">
+          <p:cNvPr id="28" name="TextBox 27">
             <a:extLst>
               <a:ext uri="{FF2B5EF4-FFF2-40B4-BE49-F238E27FC236}">
-                <a16:creationId xmlns:a16="http://schemas.microsoft.com/office/drawing/2014/main" id="{F3AFFFD6-FED8-43B2-9150-64597BC38DCD}"/>
+                <a16:creationId xmlns:a16="http://schemas.microsoft.com/office/drawing/2014/main" id="{321B0138-7E22-4818-9FD2-A5D6F6F604B3}"/>
               </a:ext>
             </a:extLst>
           </p:cNvPr>
@@ -3669,8 +3802,8 @@
         </p:nvSpPr>
         <p:spPr>
           <a:xfrm>
-            <a:off x="1065537" y="18778803"/>
-            <a:ext cx="12192635" cy="861774"/>
+            <a:off x="1086759" y="19973454"/>
+            <a:ext cx="12153545" cy="2431435"/>
           </a:xfrm>
           <a:prstGeom prst="rect">
             <a:avLst/>
@@ -3683,51 +3816,12 @@
           </a:bodyPr>
           <a:lstStyle/>
           <a:p>
-            <a:pPr algn="ctr"/>
-            <a:r>
-              <a:rPr lang="en-US" sz="5000" b="1" dirty="0">
-                <a:latin typeface="Times New Roman" panose="02020603050405020304" pitchFamily="18" charset="0"/>
-                <a:cs typeface="Times New Roman" panose="02020603050405020304" pitchFamily="18" charset="0"/>
-              </a:rPr>
-              <a:t>Surround Sound Technology</a:t>
-            </a:r>
-          </a:p>
-        </p:txBody>
-      </p:sp>
-      <p:sp>
-        <p:nvSpPr>
-          <p:cNvPr id="28" name="TextBox 27">
-            <a:extLst>
-              <a:ext uri="{FF2B5EF4-FFF2-40B4-BE49-F238E27FC236}">
-                <a16:creationId xmlns:a16="http://schemas.microsoft.com/office/drawing/2014/main" id="{321B0138-7E22-4818-9FD2-A5D6F6F604B3}"/>
-              </a:ext>
-            </a:extLst>
-          </p:cNvPr>
-          <p:cNvSpPr txBox="1"/>
-          <p:nvPr/>
-        </p:nvSpPr>
-        <p:spPr>
-          <a:xfrm>
-            <a:off x="1044015" y="19640577"/>
-            <a:ext cx="12153545" cy="2431435"/>
-          </a:xfrm>
-          <a:prstGeom prst="rect">
-            <a:avLst/>
-          </a:prstGeom>
-          <a:noFill/>
-        </p:spPr>
-        <p:txBody>
-          <a:bodyPr wrap="square" rtlCol="0">
-            <a:spAutoFit/>
-          </a:bodyPr>
-          <a:lstStyle/>
-          <a:p>
             <a:r>
               <a:rPr lang="en-US" sz="3800" dirty="0">
                 <a:latin typeface="Times New Roman" panose="02020603050405020304" pitchFamily="18" charset="0"/>
                 <a:cs typeface="Times New Roman" panose="02020603050405020304" pitchFamily="18" charset="0"/>
               </a:rPr>
-              <a:t>In order to archive what we call “immersive” experience, we use </a:t>
+              <a:t>In order to achieve an “immersive” experience, we use </a:t>
             </a:r>
             <a:r>
               <a:rPr lang="en-US" sz="3800" dirty="0" err="1">
@@ -3741,7 +3835,7 @@
                 <a:latin typeface="Times New Roman" panose="02020603050405020304" pitchFamily="18" charset="0"/>
                 <a:cs typeface="Times New Roman" panose="02020603050405020304" pitchFamily="18" charset="0"/>
               </a:rPr>
-              <a:t> Technology [1]: a full-sphere surround sound technique, in addition to the horizontal plane, it covers  sound sources above and below the listener</a:t>
+              <a:t> Technology [1]: a full-sphere surround sound technique, in addition to the horizontal plane, it covers  sound sources above and below the listener.</a:t>
             </a:r>
           </a:p>
         </p:txBody>
@@ -3815,7 +3909,7 @@
         </p:blipFill>
         <p:spPr>
           <a:xfrm>
-            <a:off x="21785961" y="8018754"/>
+            <a:off x="21831390" y="8025599"/>
             <a:ext cx="4842452" cy="5299679"/>
           </a:xfrm>
           <a:prstGeom prst="rect">
@@ -3825,10 +3919,10 @@
       </p:pic>
       <p:sp>
         <p:nvSpPr>
-          <p:cNvPr id="31" name="TextBox 30">
+          <p:cNvPr id="32" name="TextBox 31">
             <a:extLst>
               <a:ext uri="{FF2B5EF4-FFF2-40B4-BE49-F238E27FC236}">
-                <a16:creationId xmlns:a16="http://schemas.microsoft.com/office/drawing/2014/main" id="{B7E22F99-AD3F-4A48-901A-11AB909A421F}"/>
+                <a16:creationId xmlns:a16="http://schemas.microsoft.com/office/drawing/2014/main" id="{0F22088A-43A3-4605-9838-05D4DEC83274}"/>
               </a:ext>
             </a:extLst>
           </p:cNvPr>
@@ -3837,8 +3931,8 @@
         </p:nvSpPr>
         <p:spPr>
           <a:xfrm>
-            <a:off x="15339892" y="3426126"/>
-            <a:ext cx="12239545" cy="861774"/>
+            <a:off x="29785985" y="26949732"/>
+            <a:ext cx="7868660" cy="1754326"/>
           </a:xfrm>
           <a:prstGeom prst="rect">
             <a:avLst/>
@@ -3851,23 +3945,61 @@
           </a:bodyPr>
           <a:lstStyle/>
           <a:p>
-            <a:pPr algn="ctr"/>
-            <a:r>
-              <a:rPr lang="en-US" sz="5000" b="1" dirty="0">
-                <a:latin typeface="Times New Roman" panose="02020603050405020304" pitchFamily="18" charset="0"/>
-                <a:cs typeface="Times New Roman" panose="02020603050405020304" pitchFamily="18" charset="0"/>
-              </a:rPr>
-              <a:t>Recording Technique</a:t>
-            </a:r>
-          </a:p>
-        </p:txBody>
-      </p:sp>
-      <p:sp>
-        <p:nvSpPr>
-          <p:cNvPr id="32" name="TextBox 31">
+            <a:r>
+              <a:rPr lang="en-US" sz="3600" dirty="0">
+                <a:latin typeface="Times New Roman" panose="02020603050405020304" pitchFamily="18" charset="0"/>
+                <a:cs typeface="Times New Roman" panose="02020603050405020304" pitchFamily="18" charset="0"/>
+              </a:rPr>
+              <a:t>1. An Introduction to Higher Order </a:t>
+            </a:r>
+            <a:r>
+              <a:rPr lang="en-US" sz="3600" dirty="0" err="1">
+                <a:latin typeface="Times New Roman" panose="02020603050405020304" pitchFamily="18" charset="0"/>
+                <a:cs typeface="Times New Roman" panose="02020603050405020304" pitchFamily="18" charset="0"/>
+              </a:rPr>
+              <a:t>Ambisonic</a:t>
+            </a:r>
+            <a:r>
+              <a:rPr lang="en-US" sz="3600" dirty="0">
+                <a:latin typeface="Times New Roman" panose="02020603050405020304" pitchFamily="18" charset="0"/>
+                <a:cs typeface="Times New Roman" panose="02020603050405020304" pitchFamily="18" charset="0"/>
+              </a:rPr>
+              <a:t> -http://</a:t>
+            </a:r>
+            <a:r>
+              <a:rPr lang="en-US" sz="3600" dirty="0" err="1">
+                <a:latin typeface="Times New Roman" panose="02020603050405020304" pitchFamily="18" charset="0"/>
+                <a:cs typeface="Times New Roman" panose="02020603050405020304" pitchFamily="18" charset="0"/>
+              </a:rPr>
+              <a:t>flo.mur.at</a:t>
+            </a:r>
+            <a:r>
+              <a:rPr lang="en-US" sz="3600" dirty="0">
+                <a:latin typeface="Times New Roman" panose="02020603050405020304" pitchFamily="18" charset="0"/>
+                <a:cs typeface="Times New Roman" panose="02020603050405020304" pitchFamily="18" charset="0"/>
+              </a:rPr>
+              <a:t>/writings/</a:t>
+            </a:r>
+            <a:r>
+              <a:rPr lang="en-US" sz="3600" dirty="0" err="1">
+                <a:latin typeface="Times New Roman" panose="02020603050405020304" pitchFamily="18" charset="0"/>
+                <a:cs typeface="Times New Roman" panose="02020603050405020304" pitchFamily="18" charset="0"/>
+              </a:rPr>
+              <a:t>HOA-intro.pdf</a:t>
+            </a:r>
+            <a:endParaRPr lang="en-US" sz="3600" b="1" dirty="0">
+              <a:latin typeface="Times New Roman" panose="02020603050405020304" pitchFamily="18" charset="0"/>
+              <a:cs typeface="Times New Roman" panose="02020603050405020304" pitchFamily="18" charset="0"/>
+            </a:endParaRPr>
+          </a:p>
+        </p:txBody>
+      </p:sp>
+      <p:sp>
+        <p:nvSpPr>
+          <p:cNvPr id="33" name="TextBox 32">
             <a:extLst>
               <a:ext uri="{FF2B5EF4-FFF2-40B4-BE49-F238E27FC236}">
-                <a16:creationId xmlns:a16="http://schemas.microsoft.com/office/drawing/2014/main" id="{0F22088A-43A3-4605-9838-05D4DEC83274}"/>
+                <a16:creationId xmlns:a16="http://schemas.microsoft.com/office/drawing/2014/main" id="{2CE01A80-8CAB-43CB-BE3B-329CA06C3A0A}"/>
               </a:ext>
             </a:extLst>
           </p:cNvPr>
@@ -3876,91 +4008,7 @@
         </p:nvSpPr>
         <p:spPr>
           <a:xfrm>
-            <a:off x="29462786" y="25202115"/>
-            <a:ext cx="8314423" cy="1846659"/>
-          </a:xfrm>
-          <a:prstGeom prst="rect">
-            <a:avLst/>
-          </a:prstGeom>
-          <a:noFill/>
-        </p:spPr>
-        <p:txBody>
-          <a:bodyPr wrap="square" rtlCol="0">
-            <a:spAutoFit/>
-          </a:bodyPr>
-          <a:lstStyle/>
-          <a:p>
-            <a:r>
-              <a:rPr lang="en-US" sz="3800" dirty="0">
-                <a:latin typeface="Times New Roman" panose="02020603050405020304" pitchFamily="18" charset="0"/>
-                <a:cs typeface="Times New Roman" panose="02020603050405020304" pitchFamily="18" charset="0"/>
-              </a:rPr>
-              <a:t>1. An Introduction to Higher Order </a:t>
-            </a:r>
-            <a:r>
-              <a:rPr lang="en-US" sz="3800" dirty="0" err="1">
-                <a:latin typeface="Times New Roman" panose="02020603050405020304" pitchFamily="18" charset="0"/>
-                <a:cs typeface="Times New Roman" panose="02020603050405020304" pitchFamily="18" charset="0"/>
-              </a:rPr>
-              <a:t>Ambisonic</a:t>
-            </a:r>
-            <a:r>
-              <a:rPr lang="en-US" sz="3800" dirty="0">
-                <a:latin typeface="Times New Roman" panose="02020603050405020304" pitchFamily="18" charset="0"/>
-                <a:cs typeface="Times New Roman" panose="02020603050405020304" pitchFamily="18" charset="0"/>
-              </a:rPr>
-              <a:t> (http://</a:t>
-            </a:r>
-            <a:r>
-              <a:rPr lang="en-US" sz="3800" dirty="0" err="1">
-                <a:latin typeface="Times New Roman" panose="02020603050405020304" pitchFamily="18" charset="0"/>
-                <a:cs typeface="Times New Roman" panose="02020603050405020304" pitchFamily="18" charset="0"/>
-              </a:rPr>
-              <a:t>flo.mur.at</a:t>
-            </a:r>
-            <a:r>
-              <a:rPr lang="en-US" sz="3800" dirty="0">
-                <a:latin typeface="Times New Roman" panose="02020603050405020304" pitchFamily="18" charset="0"/>
-                <a:cs typeface="Times New Roman" panose="02020603050405020304" pitchFamily="18" charset="0"/>
-              </a:rPr>
-              <a:t>/writings/</a:t>
-            </a:r>
-            <a:r>
-              <a:rPr lang="en-US" sz="3800" dirty="0" err="1">
-                <a:latin typeface="Times New Roman" panose="02020603050405020304" pitchFamily="18" charset="0"/>
-                <a:cs typeface="Times New Roman" panose="02020603050405020304" pitchFamily="18" charset="0"/>
-              </a:rPr>
-              <a:t>HOA-intro.pdf</a:t>
-            </a:r>
-            <a:r>
-              <a:rPr lang="en-US" sz="3800" dirty="0">
-                <a:latin typeface="Times New Roman" panose="02020603050405020304" pitchFamily="18" charset="0"/>
-                <a:cs typeface="Times New Roman" panose="02020603050405020304" pitchFamily="18" charset="0"/>
-              </a:rPr>
-              <a:t>)</a:t>
-            </a:r>
-            <a:endParaRPr lang="en-US" sz="3800" b="1" dirty="0">
-              <a:latin typeface="Times New Roman" panose="02020603050405020304" pitchFamily="18" charset="0"/>
-              <a:cs typeface="Times New Roman" panose="02020603050405020304" pitchFamily="18" charset="0"/>
-            </a:endParaRPr>
-          </a:p>
-        </p:txBody>
-      </p:sp>
-      <p:sp>
-        <p:nvSpPr>
-          <p:cNvPr id="33" name="TextBox 32">
-            <a:extLst>
-              <a:ext uri="{FF2B5EF4-FFF2-40B4-BE49-F238E27FC236}">
-                <a16:creationId xmlns:a16="http://schemas.microsoft.com/office/drawing/2014/main" id="{2CE01A80-8CAB-43CB-BE3B-329CA06C3A0A}"/>
-              </a:ext>
-            </a:extLst>
-          </p:cNvPr>
-          <p:cNvSpPr txBox="1"/>
-          <p:nvPr/>
-        </p:nvSpPr>
-        <p:spPr>
-          <a:xfrm>
-            <a:off x="15595581" y="4443898"/>
+            <a:off x="15641010" y="4450743"/>
             <a:ext cx="11913491" cy="3600986"/>
           </a:xfrm>
           <a:prstGeom prst="rect">
@@ -4011,7 +4059,7 @@
         </p:blipFill>
         <p:spPr bwMode="auto">
           <a:xfrm>
-            <a:off x="15821617" y="8165267"/>
+            <a:off x="15867046" y="8172112"/>
             <a:ext cx="5145979" cy="4878912"/>
           </a:xfrm>
           <a:prstGeom prst="rect">
@@ -4043,8 +4091,8 @@
         </p:nvSpPr>
         <p:spPr>
           <a:xfrm>
-            <a:off x="33265079" y="22013870"/>
-            <a:ext cx="8298264" cy="2431435"/>
+            <a:off x="29749020" y="23184642"/>
+            <a:ext cx="7990761" cy="3016210"/>
           </a:xfrm>
           <a:prstGeom prst="rect">
             <a:avLst/>
@@ -4107,7 +4155,7 @@
                 <a:latin typeface="Times New Roman" panose="02020603050405020304" pitchFamily="18" charset="0"/>
                 <a:cs typeface="Times New Roman" panose="02020603050405020304" pitchFamily="18" charset="0"/>
               </a:rPr>
-              <a:t> VR Microphone</a:t>
+              <a:t> VR Mic</a:t>
             </a:r>
           </a:p>
           <a:p>
@@ -4202,8 +4250,8 @@
         </p:nvSpPr>
         <p:spPr>
           <a:xfrm>
-            <a:off x="15489566" y="13585266"/>
-            <a:ext cx="12019505" cy="7294305"/>
+            <a:off x="15664563" y="14418878"/>
+            <a:ext cx="12019505" cy="6524863"/>
           </a:xfrm>
           <a:prstGeom prst="rect">
             <a:avLst/>
@@ -4216,16 +4264,6 @@
           </a:bodyPr>
           <a:lstStyle/>
           <a:p>
-            <a:pPr algn="ctr"/>
-            <a:r>
-              <a:rPr lang="en-US" sz="5000" b="1" dirty="0">
-                <a:latin typeface="Times New Roman" panose="02020603050405020304" pitchFamily="18" charset="0"/>
-                <a:cs typeface="Times New Roman" panose="02020603050405020304" pitchFamily="18" charset="0"/>
-              </a:rPr>
-              <a:t>Web Application</a:t>
-            </a:r>
-          </a:p>
-          <a:p>
             <a:r>
               <a:rPr lang="en-US" sz="3800" dirty="0">
                 <a:latin typeface="Times New Roman" panose="02020603050405020304" pitchFamily="18" charset="0"/>
@@ -4299,17 +4337,16 @@
                 <a:latin typeface="Times New Roman" panose="02020603050405020304" pitchFamily="18" charset="0"/>
                 <a:cs typeface="Times New Roman" panose="02020603050405020304" pitchFamily="18" charset="0"/>
               </a:rPr>
-              <a:t>video. </a:t>
-            </a:r>
-            <a:br>
-              <a:rPr lang="en-US" sz="3800" dirty="0"/>
-            </a:br>
+              <a:t>video. For a mobile user, </a:t>
+            </a:r>
+          </a:p>
+          <a:p>
             <a:r>
               <a:rPr lang="en-US" sz="3800" dirty="0">
                 <a:latin typeface="Times New Roman" panose="02020603050405020304" pitchFamily="18" charset="0"/>
                 <a:cs typeface="Times New Roman" panose="02020603050405020304" pitchFamily="18" charset="0"/>
               </a:rPr>
-              <a:t>For a mobile user, rotating </a:t>
+              <a:t>rotating mobile device will </a:t>
             </a:r>
           </a:p>
           <a:p>
@@ -4318,21 +4355,17 @@
                 <a:latin typeface="Times New Roman" panose="02020603050405020304" pitchFamily="18" charset="0"/>
                 <a:cs typeface="Times New Roman" panose="02020603050405020304" pitchFamily="18" charset="0"/>
               </a:rPr>
-              <a:t>mobile device will also move the direction of the camera.</a:t>
-            </a:r>
-            <a:endParaRPr lang="en-US" sz="3800" b="1" dirty="0">
-              <a:latin typeface="Times New Roman" panose="02020603050405020304" pitchFamily="18" charset="0"/>
-              <a:cs typeface="Times New Roman" panose="02020603050405020304" pitchFamily="18" charset="0"/>
-            </a:endParaRPr>
-          </a:p>
-        </p:txBody>
-      </p:sp>
-      <p:sp>
-        <p:nvSpPr>
-          <p:cNvPr id="39" name="TextBox 38">
+              <a:t>also move the direction of the camera.</a:t>
+            </a:r>
+          </a:p>
+        </p:txBody>
+      </p:sp>
+      <p:sp>
+        <p:nvSpPr>
+          <p:cNvPr id="41" name="TextBox 40">
             <a:extLst>
               <a:ext uri="{FF2B5EF4-FFF2-40B4-BE49-F238E27FC236}">
-                <a16:creationId xmlns:a16="http://schemas.microsoft.com/office/drawing/2014/main" id="{F0589213-A7A9-4946-BB65-6002944EF5F0}"/>
+                <a16:creationId xmlns:a16="http://schemas.microsoft.com/office/drawing/2014/main" id="{58B23B61-1C7F-4B73-825E-547ED9E15394}"/>
               </a:ext>
             </a:extLst>
           </p:cNvPr>
@@ -4341,8 +4374,8 @@
         </p:nvSpPr>
         <p:spPr>
           <a:xfrm>
-            <a:off x="29642094" y="3484849"/>
-            <a:ext cx="12239545" cy="861774"/>
+            <a:off x="1133101" y="17179250"/>
+            <a:ext cx="12150468" cy="1261884"/>
           </a:xfrm>
           <a:prstGeom prst="rect">
             <a:avLst/>
@@ -4355,51 +4388,12 @@
           </a:bodyPr>
           <a:lstStyle/>
           <a:p>
-            <a:pPr algn="ctr"/>
-            <a:r>
-              <a:rPr lang="en-US" sz="5000" b="1" dirty="0">
-                <a:latin typeface="Times New Roman" panose="02020603050405020304" pitchFamily="18" charset="0"/>
-                <a:cs typeface="Times New Roman" panose="02020603050405020304" pitchFamily="18" charset="0"/>
-              </a:rPr>
-              <a:t>Desktop Application</a:t>
-            </a:r>
-          </a:p>
-        </p:txBody>
-      </p:sp>
-      <p:sp>
-        <p:nvSpPr>
-          <p:cNvPr id="41" name="TextBox 40">
-            <a:extLst>
-              <a:ext uri="{FF2B5EF4-FFF2-40B4-BE49-F238E27FC236}">
-                <a16:creationId xmlns:a16="http://schemas.microsoft.com/office/drawing/2014/main" id="{58B23B61-1C7F-4B73-825E-547ED9E15394}"/>
-              </a:ext>
-            </a:extLst>
-          </p:cNvPr>
-          <p:cNvSpPr txBox="1"/>
-          <p:nvPr/>
-        </p:nvSpPr>
-        <p:spPr>
-          <a:xfrm>
-            <a:off x="1133101" y="17107619"/>
-            <a:ext cx="12150468" cy="1261884"/>
-          </a:xfrm>
-          <a:prstGeom prst="rect">
-            <a:avLst/>
-          </a:prstGeom>
-          <a:noFill/>
-        </p:spPr>
-        <p:txBody>
-          <a:bodyPr wrap="square" rtlCol="0">
-            <a:spAutoFit/>
-          </a:bodyPr>
-          <a:lstStyle/>
-          <a:p>
             <a:r>
               <a:rPr lang="en-US" sz="3800" dirty="0">
                 <a:latin typeface="Times New Roman" panose="02020603050405020304" pitchFamily="18" charset="0"/>
                 <a:cs typeface="Times New Roman" panose="02020603050405020304" pitchFamily="18" charset="0"/>
               </a:rPr>
-              <a:t>In our experiment, we choose Flinders Street Station as the testing environment </a:t>
+              <a:t>In our experiment, we choose Flinders Street Railway Station as the testing environment.</a:t>
             </a:r>
           </a:p>
         </p:txBody>
@@ -4425,8 +4419,8 @@
         </p:blipFill>
         <p:spPr>
           <a:xfrm>
-            <a:off x="15656778" y="21094400"/>
-            <a:ext cx="11681591" cy="5606298"/>
+            <a:off x="15699550" y="21444935"/>
+            <a:ext cx="11611060" cy="4966599"/>
           </a:xfrm>
           <a:prstGeom prst="rect">
             <a:avLst/>
@@ -4447,7 +4441,7 @@
         </p:nvSpPr>
         <p:spPr>
           <a:xfrm>
-            <a:off x="15525051" y="26841976"/>
+            <a:off x="15570480" y="26848821"/>
             <a:ext cx="11681590" cy="1846659"/>
           </a:xfrm>
           <a:prstGeom prst="rect">
@@ -4461,33 +4455,18 @@
           </a:bodyPr>
           <a:lstStyle/>
           <a:p>
-            <a:r>
-              <a:rPr lang="en-US" sz="3800" b="1" dirty="0">
-                <a:latin typeface="Times New Roman" panose="02020603050405020304" pitchFamily="18" charset="0"/>
-                <a:cs typeface="Times New Roman" panose="02020603050405020304" pitchFamily="18" charset="0"/>
-              </a:rPr>
-              <a:t>Voice Recognition and Speech Synthesis: </a:t>
-            </a:r>
+            <a:endParaRPr lang="en-US" sz="3800" dirty="0">
+              <a:latin typeface="Times New Roman" panose="02020603050405020304" pitchFamily="18" charset="0"/>
+              <a:cs typeface="Times New Roman" panose="02020603050405020304" pitchFamily="18" charset="0"/>
+            </a:endParaRPr>
+          </a:p>
+          <a:p>
             <a:r>
               <a:rPr lang="en-US" sz="3800" dirty="0">
                 <a:latin typeface="Times New Roman" panose="02020603050405020304" pitchFamily="18" charset="0"/>
                 <a:cs typeface="Times New Roman" panose="02020603050405020304" pitchFamily="18" charset="0"/>
               </a:rPr>
-              <a:t>Users can interact with the interface using voice command and </a:t>
-            </a:r>
-            <a:r>
-              <a:rPr lang="en-US" sz="3800" dirty="0" err="1">
-                <a:latin typeface="Times New Roman" panose="02020603050405020304" pitchFamily="18" charset="0"/>
-                <a:cs typeface="Times New Roman" panose="02020603050405020304" pitchFamily="18" charset="0"/>
-              </a:rPr>
-              <a:t>the0</a:t>
-            </a:r>
-            <a:r>
-              <a:rPr lang="en-US" sz="3800" dirty="0">
-                <a:latin typeface="Times New Roman" panose="02020603050405020304" pitchFamily="18" charset="0"/>
-                <a:cs typeface="Times New Roman" panose="02020603050405020304" pitchFamily="18" charset="0"/>
-              </a:rPr>
-              <a:t> audio cues will be played back upon user’s request</a:t>
+              <a:t>Users can interact with the interface using voice commands and then narration will be played back upon user’s request.</a:t>
             </a:r>
             <a:endParaRPr lang="en-US" sz="3800" b="1" dirty="0">
               <a:latin typeface="Times New Roman" panose="02020603050405020304" pitchFamily="18" charset="0"/>
@@ -4518,7 +4497,7 @@
         </p:blipFill>
         <p:spPr>
           <a:xfrm>
-            <a:off x="29673942" y="9476770"/>
+            <a:off x="29977726" y="9473896"/>
             <a:ext cx="11681590" cy="3058988"/>
           </a:xfrm>
           <a:prstGeom prst="rect">
@@ -4528,10 +4507,10 @@
       </p:pic>
       <p:sp>
         <p:nvSpPr>
-          <p:cNvPr id="46" name="TextBox 45">
+          <p:cNvPr id="50" name="TextBox 49">
             <a:extLst>
               <a:ext uri="{FF2B5EF4-FFF2-40B4-BE49-F238E27FC236}">
-                <a16:creationId xmlns:a16="http://schemas.microsoft.com/office/drawing/2014/main" id="{111D97BE-C8B0-4099-8913-A981CC5C098F}"/>
+                <a16:creationId xmlns:a16="http://schemas.microsoft.com/office/drawing/2014/main" id="{8573F336-00A1-46D6-A558-57213AB3D3DE}"/>
               </a:ext>
             </a:extLst>
           </p:cNvPr>
@@ -4540,8 +4519,8 @@
         </p:nvSpPr>
         <p:spPr>
           <a:xfrm>
-            <a:off x="29673942" y="12571734"/>
-            <a:ext cx="7291273" cy="1261884"/>
+            <a:off x="29902889" y="4485518"/>
+            <a:ext cx="8134536" cy="3600986"/>
           </a:xfrm>
           <a:prstGeom prst="rect">
             <a:avLst/>
@@ -4555,102 +4534,11 @@
           <a:lstStyle/>
           <a:p>
             <a:r>
-              <a:rPr lang="en-US" sz="3800" b="1" dirty="0">
-                <a:latin typeface="Times New Roman" panose="02020603050405020304" pitchFamily="18" charset="0"/>
-                <a:cs typeface="Times New Roman" panose="02020603050405020304" pitchFamily="18" charset="0"/>
-              </a:rPr>
-              <a:t>Narration and Audio Description based on user’s head direction</a:t>
-            </a:r>
-          </a:p>
-        </p:txBody>
-      </p:sp>
-      <p:sp>
-        <p:nvSpPr>
-          <p:cNvPr id="50" name="TextBox 49">
-            <a:extLst>
-              <a:ext uri="{FF2B5EF4-FFF2-40B4-BE49-F238E27FC236}">
-                <a16:creationId xmlns:a16="http://schemas.microsoft.com/office/drawing/2014/main" id="{8573F336-00A1-46D6-A558-57213AB3D3DE}"/>
-              </a:ext>
-            </a:extLst>
-          </p:cNvPr>
-          <p:cNvSpPr txBox="1"/>
-          <p:nvPr/>
-        </p:nvSpPr>
-        <p:spPr>
-          <a:xfrm>
-            <a:off x="29599105" y="4488392"/>
-            <a:ext cx="8134536" cy="3600986"/>
-          </a:xfrm>
-          <a:prstGeom prst="rect">
-            <a:avLst/>
-          </a:prstGeom>
-          <a:noFill/>
-        </p:spPr>
-        <p:txBody>
-          <a:bodyPr wrap="square" rtlCol="0">
-            <a:spAutoFit/>
-          </a:bodyPr>
-          <a:lstStyle/>
-          <a:p>
-            <a:r>
               <a:rPr lang="en-US" sz="3800" dirty="0">
                 <a:latin typeface="Times New Roman" panose="02020603050405020304" pitchFamily="18" charset="0"/>
                 <a:cs typeface="Times New Roman" panose="02020603050405020304" pitchFamily="18" charset="0"/>
               </a:rPr>
-              <a:t>For this platform, thanks to Stuart </a:t>
-            </a:r>
-            <a:r>
-              <a:rPr lang="en-US" sz="3800" dirty="0" err="1">
-                <a:latin typeface="Times New Roman" panose="02020603050405020304" pitchFamily="18" charset="0"/>
-                <a:cs typeface="Times New Roman" panose="02020603050405020304" pitchFamily="18" charset="0"/>
-              </a:rPr>
-              <a:t>Favilla</a:t>
-            </a:r>
-            <a:r>
-              <a:rPr lang="en-US" sz="3800" dirty="0">
-                <a:latin typeface="Times New Roman" panose="02020603050405020304" pitchFamily="18" charset="0"/>
-                <a:cs typeface="Times New Roman" panose="02020603050405020304" pitchFamily="18" charset="0"/>
-              </a:rPr>
-              <a:t> for the idea of using and integrating a head-tracker which can track yaw-pitch-roll value of a user’s head. This value is used to change sound field and generate directional narration. </a:t>
-            </a:r>
-          </a:p>
-        </p:txBody>
-      </p:sp>
-      <p:sp>
-        <p:nvSpPr>
-          <p:cNvPr id="52" name="TextBox 51">
-            <a:extLst>
-              <a:ext uri="{FF2B5EF4-FFF2-40B4-BE49-F238E27FC236}">
-                <a16:creationId xmlns:a16="http://schemas.microsoft.com/office/drawing/2014/main" id="{0F28130B-5935-46D9-95CE-6F7C23A20D93}"/>
-              </a:ext>
-            </a:extLst>
-          </p:cNvPr>
-          <p:cNvSpPr txBox="1"/>
-          <p:nvPr/>
-        </p:nvSpPr>
-        <p:spPr>
-          <a:xfrm>
-            <a:off x="27501649" y="24338810"/>
-            <a:ext cx="8375453" cy="861774"/>
-          </a:xfrm>
-          <a:prstGeom prst="rect">
-            <a:avLst/>
-          </a:prstGeom>
-          <a:noFill/>
-        </p:spPr>
-        <p:txBody>
-          <a:bodyPr wrap="square" rtlCol="0">
-            <a:spAutoFit/>
-          </a:bodyPr>
-          <a:lstStyle/>
-          <a:p>
-            <a:pPr algn="ctr"/>
-            <a:r>
-              <a:rPr lang="en-US" sz="5000" b="1" dirty="0">
-                <a:latin typeface="Times New Roman" panose="02020603050405020304" pitchFamily="18" charset="0"/>
-                <a:cs typeface="Times New Roman" panose="02020603050405020304" pitchFamily="18" charset="0"/>
-              </a:rPr>
-              <a:t>References</a:t>
+              <a:t>A Desktop application is also being developed to explore the use of headtracking, allowing the tracking of yaw-pitch-roll value of a user’s head. This value is used to change sound field and generate directional narration. </a:t>
             </a:r>
           </a:p>
         </p:txBody>
@@ -4677,8 +4565,8 @@
         </p:blipFill>
         <p:spPr>
           <a:xfrm>
-            <a:off x="29593934" y="16313804"/>
-            <a:ext cx="11808280" cy="5722129"/>
+            <a:off x="30084629" y="16737979"/>
+            <a:ext cx="11711585" cy="5328610"/>
           </a:xfrm>
           <a:prstGeom prst="rect">
             <a:avLst/>
@@ -4699,8 +4587,8 @@
         </p:nvSpPr>
         <p:spPr>
           <a:xfrm>
-            <a:off x="29697394" y="13823196"/>
-            <a:ext cx="6759958" cy="2431435"/>
+            <a:off x="29871121" y="13820322"/>
+            <a:ext cx="9234719" cy="3016210"/>
           </a:xfrm>
           <a:prstGeom prst="rect">
             <a:avLst/>
@@ -4718,7 +4606,21 @@
                 <a:latin typeface="Times New Roman" panose="02020603050405020304" pitchFamily="18" charset="0"/>
                 <a:cs typeface="Times New Roman" panose="02020603050405020304" pitchFamily="18" charset="0"/>
               </a:rPr>
-              <a:t>The surround area will be described, description is on-request and dynamically adjusted based on head direction.</a:t>
+              <a:t>By separate the Yaw value from </a:t>
+            </a:r>
+            <a:r>
+              <a:rPr lang="en-US" sz="3800" dirty="0" err="1">
+                <a:latin typeface="Times New Roman" panose="02020603050405020304" pitchFamily="18" charset="0"/>
+                <a:cs typeface="Times New Roman" panose="02020603050405020304" pitchFamily="18" charset="0"/>
+              </a:rPr>
+              <a:t>headtracker</a:t>
+            </a:r>
+            <a:r>
+              <a:rPr lang="en-US" sz="3800" dirty="0">
+                <a:latin typeface="Times New Roman" panose="02020603050405020304" pitchFamily="18" charset="0"/>
+                <a:cs typeface="Times New Roman" panose="02020603050405020304" pitchFamily="18" charset="0"/>
+              </a:rPr>
+              <a:t> into 4 quarters representing front, left, right and back, the surround area will be described, description is on-request and dynamically adjusted based on head direction.</a:t>
             </a:r>
           </a:p>
         </p:txBody>
@@ -4739,8 +4641,8 @@
         </p:nvSpPr>
         <p:spPr>
           <a:xfrm>
-            <a:off x="0" y="2009938"/>
-            <a:ext cx="42794238" cy="702727"/>
+            <a:off x="5883165" y="1731057"/>
+            <a:ext cx="36911073" cy="1012133"/>
           </a:xfrm>
           <a:prstGeom prst="rect">
             <a:avLst/>
@@ -4775,7 +4677,7 @@
                 <a:latin typeface="Times New Roman" panose="02020603050405020304" pitchFamily="18" charset="0"/>
                 <a:cs typeface="Times New Roman" panose="02020603050405020304" pitchFamily="18" charset="0"/>
               </a:rPr>
-              <a:t>Dung Lai, Chris McCarthy, David Sly, Harrison Bennett, Matt Shackleton, Stuart </a:t>
+              <a:t>Tuan Dung Lai, Chris McCarthy, David Sly, Harrison Bennett, Matt Shackleton, Stuart </a:t>
             </a:r>
             <a:r>
               <a:rPr lang="en-US" sz="4400" dirty="0" err="1">
@@ -4813,7 +4715,7 @@
         </p:blipFill>
         <p:spPr>
           <a:xfrm>
-            <a:off x="37769786" y="4352748"/>
+            <a:off x="38073570" y="4349874"/>
             <a:ext cx="3468304" cy="3208830"/>
           </a:xfrm>
           <a:prstGeom prst="rect">
@@ -4835,8 +4737,8 @@
         </p:nvSpPr>
         <p:spPr>
           <a:xfrm>
-            <a:off x="29567337" y="7908334"/>
-            <a:ext cx="11670753" cy="1261884"/>
+            <a:off x="29871121" y="7905460"/>
+            <a:ext cx="12314302" cy="1261884"/>
           </a:xfrm>
           <a:prstGeom prst="rect">
             <a:avLst/>
@@ -4854,13 +4756,27 @@
                 <a:latin typeface="Times New Roman" panose="02020603050405020304" pitchFamily="18" charset="0"/>
                 <a:cs typeface="Times New Roman" panose="02020603050405020304" pitchFamily="18" charset="0"/>
               </a:rPr>
-              <a:t>The image below shows the open-source head-tracker we used, called </a:t>
+              <a:t>Thanks to Stuart </a:t>
             </a:r>
             <a:r>
               <a:rPr lang="en-US" sz="3800" dirty="0" err="1">
                 <a:latin typeface="Times New Roman" panose="02020603050405020304" pitchFamily="18" charset="0"/>
                 <a:cs typeface="Times New Roman" panose="02020603050405020304" pitchFamily="18" charset="0"/>
               </a:rPr>
+              <a:t>Favilla</a:t>
+            </a:r>
+            <a:r>
+              <a:rPr lang="en-US" sz="3800" dirty="0">
+                <a:latin typeface="Times New Roman" panose="02020603050405020304" pitchFamily="18" charset="0"/>
+                <a:cs typeface="Times New Roman" panose="02020603050405020304" pitchFamily="18" charset="0"/>
+              </a:rPr>
+              <a:t>, the </a:t>
+            </a:r>
+            <a:r>
+              <a:rPr lang="en-US" sz="3800" dirty="0" err="1">
+                <a:latin typeface="Times New Roman" panose="02020603050405020304" pitchFamily="18" charset="0"/>
+                <a:cs typeface="Times New Roman" panose="02020603050405020304" pitchFamily="18" charset="0"/>
+              </a:rPr>
               <a:t>Hedrot</a:t>
             </a:r>
             <a:r>
@@ -4868,11 +4784,1062 @@
                 <a:latin typeface="Times New Roman" panose="02020603050405020304" pitchFamily="18" charset="0"/>
                 <a:cs typeface="Times New Roman" panose="02020603050405020304" pitchFamily="18" charset="0"/>
               </a:rPr>
-              <a:t> and its integration on headphone.</a:t>
-            </a:r>
-          </a:p>
-        </p:txBody>
-      </p:sp>
+              <a:t> head-tracker is successfully implemented and the integration is shown below</a:t>
+            </a:r>
+          </a:p>
+        </p:txBody>
+      </p:sp>
+      <p:sp>
+        <p:nvSpPr>
+          <p:cNvPr id="5" name="TextBox 4">
+            <a:extLst>
+              <a:ext uri="{FF2B5EF4-FFF2-40B4-BE49-F238E27FC236}">
+                <a16:creationId xmlns:a16="http://schemas.microsoft.com/office/drawing/2014/main" id="{4C849375-BC22-4090-965B-D11EAB3AC723}"/>
+              </a:ext>
+            </a:extLst>
+          </p:cNvPr>
+          <p:cNvSpPr txBox="1"/>
+          <p:nvPr/>
+        </p:nvSpPr>
+        <p:spPr>
+          <a:xfrm>
+            <a:off x="15658811" y="20793488"/>
+            <a:ext cx="12790634" cy="677108"/>
+          </a:xfrm>
+          <a:prstGeom prst="rect">
+            <a:avLst/>
+          </a:prstGeom>
+          <a:noFill/>
+        </p:spPr>
+        <p:txBody>
+          <a:bodyPr wrap="square" rtlCol="0">
+            <a:spAutoFit/>
+          </a:bodyPr>
+          <a:lstStyle/>
+          <a:p>
+            <a:r>
+              <a:rPr lang="en-US" sz="3800" dirty="0">
+                <a:latin typeface="Times New Roman" panose="02020603050405020304" pitchFamily="18" charset="0"/>
+                <a:cs typeface="Times New Roman" panose="02020603050405020304" pitchFamily="18" charset="0"/>
+              </a:rPr>
+              <a:t>An auditory-based simulation of Flinders Street Station:</a:t>
+            </a:r>
+            <a:endParaRPr lang="en-US" dirty="0"/>
+          </a:p>
+        </p:txBody>
+      </p:sp>
+      <p:sp>
+        <p:nvSpPr>
+          <p:cNvPr id="56" name="Rectangle 55">
+            <a:extLst>
+              <a:ext uri="{FF2B5EF4-FFF2-40B4-BE49-F238E27FC236}">
+                <a16:creationId xmlns:a16="http://schemas.microsoft.com/office/drawing/2014/main" id="{55B766D9-01E4-4080-BE90-CB202CAE85FF}"/>
+              </a:ext>
+            </a:extLst>
+          </p:cNvPr>
+          <p:cNvSpPr/>
+          <p:nvPr/>
+        </p:nvSpPr>
+        <p:spPr>
+          <a:xfrm>
+            <a:off x="29747210" y="22148983"/>
+            <a:ext cx="5903654" cy="950095"/>
+          </a:xfrm>
+          <a:prstGeom prst="rect">
+            <a:avLst/>
+          </a:prstGeom>
+          <a:solidFill>
+            <a:schemeClr val="accent2"/>
+          </a:solidFill>
+        </p:spPr>
+        <p:style>
+          <a:lnRef idx="2">
+            <a:schemeClr val="accent1">
+              <a:shade val="50000"/>
+            </a:schemeClr>
+          </a:lnRef>
+          <a:fillRef idx="1">
+            <a:schemeClr val="accent1"/>
+          </a:fillRef>
+          <a:effectRef idx="0">
+            <a:schemeClr val="accent1"/>
+          </a:effectRef>
+          <a:fontRef idx="minor">
+            <a:schemeClr val="lt1"/>
+          </a:fontRef>
+        </p:style>
+        <p:txBody>
+          <a:bodyPr rtlCol="0" anchor="ctr"/>
+          <a:lstStyle/>
+          <a:p>
+            <a:pPr algn="ctr"/>
+            <a:endParaRPr lang="en-US"/>
+          </a:p>
+        </p:txBody>
+      </p:sp>
+      <p:sp>
+        <p:nvSpPr>
+          <p:cNvPr id="57" name="Rectangle 56">
+            <a:extLst>
+              <a:ext uri="{FF2B5EF4-FFF2-40B4-BE49-F238E27FC236}">
+                <a16:creationId xmlns:a16="http://schemas.microsoft.com/office/drawing/2014/main" id="{3003BAEF-4356-4005-AFAB-C82CC66B294A}"/>
+              </a:ext>
+            </a:extLst>
+          </p:cNvPr>
+          <p:cNvSpPr/>
+          <p:nvPr/>
+        </p:nvSpPr>
+        <p:spPr>
+          <a:xfrm>
+            <a:off x="29716219" y="12758068"/>
+            <a:ext cx="12181957" cy="1017601"/>
+          </a:xfrm>
+          <a:prstGeom prst="rect">
+            <a:avLst/>
+          </a:prstGeom>
+          <a:solidFill>
+            <a:schemeClr val="accent2"/>
+          </a:solidFill>
+        </p:spPr>
+        <p:style>
+          <a:lnRef idx="2">
+            <a:schemeClr val="accent1">
+              <a:shade val="50000"/>
+            </a:schemeClr>
+          </a:lnRef>
+          <a:fillRef idx="1">
+            <a:schemeClr val="accent1"/>
+          </a:fillRef>
+          <a:effectRef idx="0">
+            <a:schemeClr val="accent1"/>
+          </a:effectRef>
+          <a:fontRef idx="minor">
+            <a:schemeClr val="lt1"/>
+          </a:fontRef>
+        </p:style>
+        <p:txBody>
+          <a:bodyPr rtlCol="0" anchor="ctr"/>
+          <a:lstStyle/>
+          <a:p>
+            <a:pPr algn="ctr"/>
+            <a:endParaRPr lang="en-US" dirty="0"/>
+          </a:p>
+        </p:txBody>
+      </p:sp>
+      <p:sp>
+        <p:nvSpPr>
+          <p:cNvPr id="58" name="Rectangle 57">
+            <a:extLst>
+              <a:ext uri="{FF2B5EF4-FFF2-40B4-BE49-F238E27FC236}">
+                <a16:creationId xmlns:a16="http://schemas.microsoft.com/office/drawing/2014/main" id="{F3D1EB28-EEDD-45B9-B5E4-297D71FC2B42}"/>
+              </a:ext>
+            </a:extLst>
+          </p:cNvPr>
+          <p:cNvSpPr/>
+          <p:nvPr/>
+        </p:nvSpPr>
+        <p:spPr>
+          <a:xfrm>
+            <a:off x="15391999" y="26586003"/>
+            <a:ext cx="12153321" cy="893864"/>
+          </a:xfrm>
+          <a:prstGeom prst="rect">
+            <a:avLst/>
+          </a:prstGeom>
+          <a:solidFill>
+            <a:schemeClr val="accent2"/>
+          </a:solidFill>
+        </p:spPr>
+        <p:style>
+          <a:lnRef idx="2">
+            <a:schemeClr val="accent1">
+              <a:shade val="50000"/>
+            </a:schemeClr>
+          </a:lnRef>
+          <a:fillRef idx="1">
+            <a:schemeClr val="accent1"/>
+          </a:fillRef>
+          <a:effectRef idx="0">
+            <a:schemeClr val="accent1"/>
+          </a:effectRef>
+          <a:fontRef idx="minor">
+            <a:schemeClr val="lt1"/>
+          </a:fontRef>
+        </p:style>
+        <p:txBody>
+          <a:bodyPr rtlCol="0" anchor="ctr"/>
+          <a:lstStyle/>
+          <a:p>
+            <a:pPr algn="ctr"/>
+            <a:endParaRPr lang="en-US"/>
+          </a:p>
+        </p:txBody>
+      </p:sp>
+      <p:sp>
+        <p:nvSpPr>
+          <p:cNvPr id="59" name="Rectangle 58">
+            <a:extLst>
+              <a:ext uri="{FF2B5EF4-FFF2-40B4-BE49-F238E27FC236}">
+                <a16:creationId xmlns:a16="http://schemas.microsoft.com/office/drawing/2014/main" id="{718AED54-AD05-4CA8-ADD5-BDC75BB30338}"/>
+              </a:ext>
+            </a:extLst>
+          </p:cNvPr>
+          <p:cNvSpPr/>
+          <p:nvPr/>
+        </p:nvSpPr>
+        <p:spPr>
+          <a:xfrm>
+            <a:off x="998024" y="18734126"/>
+            <a:ext cx="12150468" cy="1021602"/>
+          </a:xfrm>
+          <a:prstGeom prst="rect">
+            <a:avLst/>
+          </a:prstGeom>
+          <a:solidFill>
+            <a:schemeClr val="accent2"/>
+          </a:solidFill>
+        </p:spPr>
+        <p:style>
+          <a:lnRef idx="2">
+            <a:schemeClr val="accent1">
+              <a:shade val="50000"/>
+            </a:schemeClr>
+          </a:lnRef>
+          <a:fillRef idx="1">
+            <a:schemeClr val="accent1"/>
+          </a:fillRef>
+          <a:effectRef idx="0">
+            <a:schemeClr val="accent1"/>
+          </a:effectRef>
+          <a:fontRef idx="minor">
+            <a:schemeClr val="lt1"/>
+          </a:fontRef>
+        </p:style>
+        <p:txBody>
+          <a:bodyPr rtlCol="0" anchor="ctr"/>
+          <a:lstStyle/>
+          <a:p>
+            <a:pPr algn="ctr"/>
+            <a:endParaRPr lang="en-US"/>
+          </a:p>
+        </p:txBody>
+      </p:sp>
+      <p:sp>
+        <p:nvSpPr>
+          <p:cNvPr id="60" name="Rectangle 59">
+            <a:extLst>
+              <a:ext uri="{FF2B5EF4-FFF2-40B4-BE49-F238E27FC236}">
+                <a16:creationId xmlns:a16="http://schemas.microsoft.com/office/drawing/2014/main" id="{556740F4-6495-4CAB-A27F-FA34782BAF37}"/>
+              </a:ext>
+            </a:extLst>
+          </p:cNvPr>
+          <p:cNvSpPr/>
+          <p:nvPr/>
+        </p:nvSpPr>
+        <p:spPr>
+          <a:xfrm>
+            <a:off x="964370" y="10059267"/>
+            <a:ext cx="12186280" cy="1014343"/>
+          </a:xfrm>
+          <a:prstGeom prst="rect">
+            <a:avLst/>
+          </a:prstGeom>
+          <a:solidFill>
+            <a:schemeClr val="accent2"/>
+          </a:solidFill>
+        </p:spPr>
+        <p:style>
+          <a:lnRef idx="2">
+            <a:schemeClr val="accent1">
+              <a:shade val="50000"/>
+            </a:schemeClr>
+          </a:lnRef>
+          <a:fillRef idx="1">
+            <a:schemeClr val="accent1"/>
+          </a:fillRef>
+          <a:effectRef idx="0">
+            <a:schemeClr val="accent1"/>
+          </a:effectRef>
+          <a:fontRef idx="minor">
+            <a:schemeClr val="lt1"/>
+          </a:fontRef>
+        </p:style>
+        <p:txBody>
+          <a:bodyPr rtlCol="0" anchor="ctr"/>
+          <a:lstStyle/>
+          <a:p>
+            <a:pPr algn="ctr"/>
+            <a:endParaRPr lang="en-US"/>
+          </a:p>
+        </p:txBody>
+      </p:sp>
+      <p:sp>
+        <p:nvSpPr>
+          <p:cNvPr id="61" name="Rectangle 60">
+            <a:extLst>
+              <a:ext uri="{FF2B5EF4-FFF2-40B4-BE49-F238E27FC236}">
+                <a16:creationId xmlns:a16="http://schemas.microsoft.com/office/drawing/2014/main" id="{C223A03B-FC35-4A91-817B-5811FE839BF5}"/>
+              </a:ext>
+            </a:extLst>
+          </p:cNvPr>
+          <p:cNvSpPr/>
+          <p:nvPr/>
+        </p:nvSpPr>
+        <p:spPr>
+          <a:xfrm>
+            <a:off x="958015" y="3336351"/>
+            <a:ext cx="12192635" cy="958394"/>
+          </a:xfrm>
+          <a:prstGeom prst="rect">
+            <a:avLst/>
+          </a:prstGeom>
+          <a:solidFill>
+            <a:schemeClr val="accent2"/>
+          </a:solidFill>
+        </p:spPr>
+        <p:style>
+          <a:lnRef idx="2">
+            <a:schemeClr val="accent1">
+              <a:shade val="50000"/>
+            </a:schemeClr>
+          </a:lnRef>
+          <a:fillRef idx="1">
+            <a:schemeClr val="accent1"/>
+          </a:fillRef>
+          <a:effectRef idx="0">
+            <a:schemeClr val="accent1"/>
+          </a:effectRef>
+          <a:fontRef idx="minor">
+            <a:schemeClr val="lt1"/>
+          </a:fontRef>
+        </p:style>
+        <p:txBody>
+          <a:bodyPr rtlCol="0" anchor="ctr"/>
+          <a:lstStyle/>
+          <a:p>
+            <a:pPr algn="ctr"/>
+            <a:endParaRPr lang="en-US"/>
+          </a:p>
+        </p:txBody>
+      </p:sp>
+      <p:sp>
+        <p:nvSpPr>
+          <p:cNvPr id="62" name="Rectangle 61">
+            <a:extLst>
+              <a:ext uri="{FF2B5EF4-FFF2-40B4-BE49-F238E27FC236}">
+                <a16:creationId xmlns:a16="http://schemas.microsoft.com/office/drawing/2014/main" id="{1FC87924-A58C-4F8F-BE3A-892159C3F777}"/>
+              </a:ext>
+            </a:extLst>
+          </p:cNvPr>
+          <p:cNvSpPr/>
+          <p:nvPr/>
+        </p:nvSpPr>
+        <p:spPr>
+          <a:xfrm>
+            <a:off x="15345011" y="3333935"/>
+            <a:ext cx="12245393" cy="958394"/>
+          </a:xfrm>
+          <a:prstGeom prst="rect">
+            <a:avLst/>
+          </a:prstGeom>
+          <a:solidFill>
+            <a:schemeClr val="accent2"/>
+          </a:solidFill>
+        </p:spPr>
+        <p:style>
+          <a:lnRef idx="2">
+            <a:schemeClr val="accent1">
+              <a:shade val="50000"/>
+            </a:schemeClr>
+          </a:lnRef>
+          <a:fillRef idx="1">
+            <a:schemeClr val="accent1"/>
+          </a:fillRef>
+          <a:effectRef idx="0">
+            <a:schemeClr val="accent1"/>
+          </a:effectRef>
+          <a:fontRef idx="minor">
+            <a:schemeClr val="lt1"/>
+          </a:fontRef>
+        </p:style>
+        <p:txBody>
+          <a:bodyPr rtlCol="0" anchor="ctr"/>
+          <a:lstStyle/>
+          <a:p>
+            <a:pPr algn="ctr"/>
+            <a:endParaRPr lang="en-US"/>
+          </a:p>
+        </p:txBody>
+      </p:sp>
+      <p:sp>
+        <p:nvSpPr>
+          <p:cNvPr id="63" name="Rectangle 62">
+            <a:extLst>
+              <a:ext uri="{FF2B5EF4-FFF2-40B4-BE49-F238E27FC236}">
+                <a16:creationId xmlns:a16="http://schemas.microsoft.com/office/drawing/2014/main" id="{9B6FA245-15C1-4422-90BA-12F71F8404EA}"/>
+              </a:ext>
+            </a:extLst>
+          </p:cNvPr>
+          <p:cNvSpPr/>
+          <p:nvPr/>
+        </p:nvSpPr>
+        <p:spPr>
+          <a:xfrm>
+            <a:off x="29716221" y="3333935"/>
+            <a:ext cx="12192635" cy="958394"/>
+          </a:xfrm>
+          <a:prstGeom prst="rect">
+            <a:avLst/>
+          </a:prstGeom>
+          <a:solidFill>
+            <a:schemeClr val="accent2"/>
+          </a:solidFill>
+        </p:spPr>
+        <p:style>
+          <a:lnRef idx="2">
+            <a:schemeClr val="accent1">
+              <a:shade val="50000"/>
+            </a:schemeClr>
+          </a:lnRef>
+          <a:fillRef idx="1">
+            <a:schemeClr val="accent1"/>
+          </a:fillRef>
+          <a:effectRef idx="0">
+            <a:schemeClr val="accent1"/>
+          </a:effectRef>
+          <a:fontRef idx="minor">
+            <a:schemeClr val="lt1"/>
+          </a:fontRef>
+        </p:style>
+        <p:txBody>
+          <a:bodyPr rtlCol="0" anchor="ctr"/>
+          <a:lstStyle/>
+          <a:p>
+            <a:pPr algn="ctr"/>
+            <a:endParaRPr lang="en-US"/>
+          </a:p>
+        </p:txBody>
+      </p:sp>
+      <p:sp>
+        <p:nvSpPr>
+          <p:cNvPr id="9" name="TextBox 8">
+            <a:extLst>
+              <a:ext uri="{FF2B5EF4-FFF2-40B4-BE49-F238E27FC236}">
+                <a16:creationId xmlns:a16="http://schemas.microsoft.com/office/drawing/2014/main" id="{6D298C1F-1A23-494F-85DD-8823F4B7DE16}"/>
+              </a:ext>
+            </a:extLst>
+          </p:cNvPr>
+          <p:cNvSpPr txBox="1"/>
+          <p:nvPr/>
+        </p:nvSpPr>
+        <p:spPr>
+          <a:xfrm>
+            <a:off x="958015" y="3379822"/>
+            <a:ext cx="12192636" cy="861774"/>
+          </a:xfrm>
+          <a:prstGeom prst="rect">
+            <a:avLst/>
+          </a:prstGeom>
+          <a:noFill/>
+        </p:spPr>
+        <p:txBody>
+          <a:bodyPr wrap="square" rtlCol="0">
+            <a:spAutoFit/>
+          </a:bodyPr>
+          <a:lstStyle/>
+          <a:p>
+            <a:pPr algn="ctr"/>
+            <a:r>
+              <a:rPr lang="en-US" sz="5000" b="1" dirty="0">
+                <a:latin typeface="Times New Roman" panose="02020603050405020304" pitchFamily="18" charset="0"/>
+                <a:cs typeface="Times New Roman" panose="02020603050405020304" pitchFamily="18" charset="0"/>
+              </a:rPr>
+              <a:t>Introduction</a:t>
+            </a:r>
+          </a:p>
+        </p:txBody>
+      </p:sp>
+      <p:sp>
+        <p:nvSpPr>
+          <p:cNvPr id="31" name="TextBox 30">
+            <a:extLst>
+              <a:ext uri="{FF2B5EF4-FFF2-40B4-BE49-F238E27FC236}">
+                <a16:creationId xmlns:a16="http://schemas.microsoft.com/office/drawing/2014/main" id="{B7E22F99-AD3F-4A48-901A-11AB909A421F}"/>
+              </a:ext>
+            </a:extLst>
+          </p:cNvPr>
+          <p:cNvSpPr txBox="1"/>
+          <p:nvPr/>
+        </p:nvSpPr>
+        <p:spPr>
+          <a:xfrm>
+            <a:off x="15361864" y="3439491"/>
+            <a:ext cx="12192635" cy="861774"/>
+          </a:xfrm>
+          <a:prstGeom prst="rect">
+            <a:avLst/>
+          </a:prstGeom>
+          <a:noFill/>
+        </p:spPr>
+        <p:txBody>
+          <a:bodyPr wrap="square" rtlCol="0">
+            <a:spAutoFit/>
+          </a:bodyPr>
+          <a:lstStyle/>
+          <a:p>
+            <a:pPr algn="ctr"/>
+            <a:r>
+              <a:rPr lang="en-US" sz="5000" b="1" dirty="0">
+                <a:latin typeface="Times New Roman" panose="02020603050405020304" pitchFamily="18" charset="0"/>
+                <a:cs typeface="Times New Roman" panose="02020603050405020304" pitchFamily="18" charset="0"/>
+              </a:rPr>
+              <a:t>Recording Technique</a:t>
+            </a:r>
+          </a:p>
+        </p:txBody>
+      </p:sp>
+      <p:sp>
+        <p:nvSpPr>
+          <p:cNvPr id="39" name="TextBox 38">
+            <a:extLst>
+              <a:ext uri="{FF2B5EF4-FFF2-40B4-BE49-F238E27FC236}">
+                <a16:creationId xmlns:a16="http://schemas.microsoft.com/office/drawing/2014/main" id="{F0589213-A7A9-4946-BB65-6002944EF5F0}"/>
+              </a:ext>
+            </a:extLst>
+          </p:cNvPr>
+          <p:cNvSpPr txBox="1"/>
+          <p:nvPr/>
+        </p:nvSpPr>
+        <p:spPr>
+          <a:xfrm>
+            <a:off x="29728679" y="3379822"/>
+            <a:ext cx="12190857" cy="861774"/>
+          </a:xfrm>
+          <a:prstGeom prst="rect">
+            <a:avLst/>
+          </a:prstGeom>
+          <a:noFill/>
+        </p:spPr>
+        <p:txBody>
+          <a:bodyPr wrap="square" rtlCol="0">
+            <a:spAutoFit/>
+          </a:bodyPr>
+          <a:lstStyle/>
+          <a:p>
+            <a:pPr algn="ctr"/>
+            <a:r>
+              <a:rPr lang="en-US" sz="5000" b="1" dirty="0">
+                <a:latin typeface="Times New Roman" panose="02020603050405020304" pitchFamily="18" charset="0"/>
+                <a:cs typeface="Times New Roman" panose="02020603050405020304" pitchFamily="18" charset="0"/>
+              </a:rPr>
+              <a:t>Desktop Application</a:t>
+            </a:r>
+          </a:p>
+        </p:txBody>
+      </p:sp>
+      <p:sp>
+        <p:nvSpPr>
+          <p:cNvPr id="64" name="Rectangle 63">
+            <a:extLst>
+              <a:ext uri="{FF2B5EF4-FFF2-40B4-BE49-F238E27FC236}">
+                <a16:creationId xmlns:a16="http://schemas.microsoft.com/office/drawing/2014/main" id="{EAEB2BD7-7AD3-44DE-8CAA-C8FD7AD699E8}"/>
+              </a:ext>
+            </a:extLst>
+          </p:cNvPr>
+          <p:cNvSpPr/>
+          <p:nvPr/>
+        </p:nvSpPr>
+        <p:spPr>
+          <a:xfrm>
+            <a:off x="15381582" y="13350545"/>
+            <a:ext cx="12186280" cy="1014343"/>
+          </a:xfrm>
+          <a:prstGeom prst="rect">
+            <a:avLst/>
+          </a:prstGeom>
+          <a:solidFill>
+            <a:schemeClr val="accent2"/>
+          </a:solidFill>
+        </p:spPr>
+        <p:style>
+          <a:lnRef idx="2">
+            <a:schemeClr val="accent1">
+              <a:shade val="50000"/>
+            </a:schemeClr>
+          </a:lnRef>
+          <a:fillRef idx="1">
+            <a:schemeClr val="accent1"/>
+          </a:fillRef>
+          <a:effectRef idx="0">
+            <a:schemeClr val="accent1"/>
+          </a:effectRef>
+          <a:fontRef idx="minor">
+            <a:schemeClr val="lt1"/>
+          </a:fontRef>
+        </p:style>
+        <p:txBody>
+          <a:bodyPr rtlCol="0" anchor="ctr"/>
+          <a:lstStyle/>
+          <a:p>
+            <a:pPr algn="ctr"/>
+            <a:endParaRPr lang="en-US"/>
+          </a:p>
+        </p:txBody>
+      </p:sp>
+      <p:sp>
+        <p:nvSpPr>
+          <p:cNvPr id="14" name="TextBox 13">
+            <a:extLst>
+              <a:ext uri="{FF2B5EF4-FFF2-40B4-BE49-F238E27FC236}">
+                <a16:creationId xmlns:a16="http://schemas.microsoft.com/office/drawing/2014/main" id="{CF6B3986-5A85-43E6-A268-3A547C4114AA}"/>
+              </a:ext>
+            </a:extLst>
+          </p:cNvPr>
+          <p:cNvSpPr txBox="1"/>
+          <p:nvPr/>
+        </p:nvSpPr>
+        <p:spPr>
+          <a:xfrm>
+            <a:off x="963453" y="10155952"/>
+            <a:ext cx="12186280" cy="882840"/>
+          </a:xfrm>
+          <a:prstGeom prst="rect">
+            <a:avLst/>
+          </a:prstGeom>
+          <a:noFill/>
+        </p:spPr>
+        <p:txBody>
+          <a:bodyPr wrap="square" rtlCol="0">
+            <a:spAutoFit/>
+          </a:bodyPr>
+          <a:lstStyle/>
+          <a:p>
+            <a:pPr algn="ctr"/>
+            <a:r>
+              <a:rPr lang="en-US" sz="5000" b="1" dirty="0">
+                <a:latin typeface="Times New Roman" panose="02020603050405020304" pitchFamily="18" charset="0"/>
+                <a:cs typeface="Times New Roman" panose="02020603050405020304" pitchFamily="18" charset="0"/>
+              </a:rPr>
+              <a:t>Methods</a:t>
+            </a:r>
+          </a:p>
+        </p:txBody>
+      </p:sp>
+      <p:sp>
+        <p:nvSpPr>
+          <p:cNvPr id="29" name="Rectangle 28">
+            <a:extLst>
+              <a:ext uri="{FF2B5EF4-FFF2-40B4-BE49-F238E27FC236}">
+                <a16:creationId xmlns:a16="http://schemas.microsoft.com/office/drawing/2014/main" id="{2E96BDD8-6BFE-4354-8CC7-9FEE69983B4C}"/>
+              </a:ext>
+            </a:extLst>
+          </p:cNvPr>
+          <p:cNvSpPr/>
+          <p:nvPr/>
+        </p:nvSpPr>
+        <p:spPr>
+          <a:xfrm>
+            <a:off x="15359040" y="13379268"/>
+            <a:ext cx="12186280" cy="861774"/>
+          </a:xfrm>
+          <a:prstGeom prst="rect">
+            <a:avLst/>
+          </a:prstGeom>
+        </p:spPr>
+        <p:txBody>
+          <a:bodyPr wrap="square">
+            <a:spAutoFit/>
+          </a:bodyPr>
+          <a:lstStyle/>
+          <a:p>
+            <a:pPr algn="ctr"/>
+            <a:r>
+              <a:rPr lang="en-US" sz="5000" b="1" dirty="0">
+                <a:latin typeface="Times New Roman" panose="02020603050405020304" pitchFamily="18" charset="0"/>
+                <a:cs typeface="Times New Roman" panose="02020603050405020304" pitchFamily="18" charset="0"/>
+              </a:rPr>
+              <a:t>Web Application</a:t>
+            </a:r>
+          </a:p>
+        </p:txBody>
+      </p:sp>
+      <p:sp>
+        <p:nvSpPr>
+          <p:cNvPr id="26" name="TextBox 25">
+            <a:extLst>
+              <a:ext uri="{FF2B5EF4-FFF2-40B4-BE49-F238E27FC236}">
+                <a16:creationId xmlns:a16="http://schemas.microsoft.com/office/drawing/2014/main" id="{F3AFFFD6-FED8-43B2-9150-64597BC38DCD}"/>
+              </a:ext>
+            </a:extLst>
+          </p:cNvPr>
+          <p:cNvSpPr txBox="1"/>
+          <p:nvPr/>
+        </p:nvSpPr>
+        <p:spPr>
+          <a:xfrm>
+            <a:off x="945571" y="18759489"/>
+            <a:ext cx="12163829" cy="861774"/>
+          </a:xfrm>
+          <a:prstGeom prst="rect">
+            <a:avLst/>
+          </a:prstGeom>
+          <a:noFill/>
+        </p:spPr>
+        <p:txBody>
+          <a:bodyPr wrap="square" rtlCol="0">
+            <a:spAutoFit/>
+          </a:bodyPr>
+          <a:lstStyle/>
+          <a:p>
+            <a:pPr algn="ctr"/>
+            <a:r>
+              <a:rPr lang="en-US" sz="5000" b="1" dirty="0">
+                <a:latin typeface="Times New Roman" panose="02020603050405020304" pitchFamily="18" charset="0"/>
+                <a:cs typeface="Times New Roman" panose="02020603050405020304" pitchFamily="18" charset="0"/>
+              </a:rPr>
+              <a:t>Surround Sound Technology</a:t>
+            </a:r>
+          </a:p>
+        </p:txBody>
+      </p:sp>
+      <p:sp>
+        <p:nvSpPr>
+          <p:cNvPr id="34" name="Rectangle 33">
+            <a:extLst>
+              <a:ext uri="{FF2B5EF4-FFF2-40B4-BE49-F238E27FC236}">
+                <a16:creationId xmlns:a16="http://schemas.microsoft.com/office/drawing/2014/main" id="{088A788D-D0BA-46F0-8BAC-217E338BD4C4}"/>
+              </a:ext>
+            </a:extLst>
+          </p:cNvPr>
+          <p:cNvSpPr/>
+          <p:nvPr/>
+        </p:nvSpPr>
+        <p:spPr>
+          <a:xfrm>
+            <a:off x="15391998" y="26589882"/>
+            <a:ext cx="12153322" cy="861774"/>
+          </a:xfrm>
+          <a:prstGeom prst="rect">
+            <a:avLst/>
+          </a:prstGeom>
+        </p:spPr>
+        <p:txBody>
+          <a:bodyPr wrap="square">
+            <a:spAutoFit/>
+          </a:bodyPr>
+          <a:lstStyle/>
+          <a:p>
+            <a:pPr algn="ctr"/>
+            <a:r>
+              <a:rPr lang="en-US" sz="5000" b="1" dirty="0">
+                <a:latin typeface="Times New Roman" panose="02020603050405020304" pitchFamily="18" charset="0"/>
+                <a:cs typeface="Times New Roman" panose="02020603050405020304" pitchFamily="18" charset="0"/>
+              </a:rPr>
+              <a:t>Voice Recognition and Speech Synthesis</a:t>
+            </a:r>
+          </a:p>
+        </p:txBody>
+      </p:sp>
+      <p:sp>
+        <p:nvSpPr>
+          <p:cNvPr id="65" name="Rectangle 64">
+            <a:extLst>
+              <a:ext uri="{FF2B5EF4-FFF2-40B4-BE49-F238E27FC236}">
+                <a16:creationId xmlns:a16="http://schemas.microsoft.com/office/drawing/2014/main" id="{39AACBD1-9311-49F0-BB2D-AEA74715A941}"/>
+              </a:ext>
+            </a:extLst>
+          </p:cNvPr>
+          <p:cNvSpPr/>
+          <p:nvPr/>
+        </p:nvSpPr>
+        <p:spPr>
+          <a:xfrm>
+            <a:off x="29785984" y="12828331"/>
+            <a:ext cx="12072951" cy="861774"/>
+          </a:xfrm>
+          <a:prstGeom prst="rect">
+            <a:avLst/>
+          </a:prstGeom>
+        </p:spPr>
+        <p:txBody>
+          <a:bodyPr wrap="square">
+            <a:spAutoFit/>
+          </a:bodyPr>
+          <a:lstStyle/>
+          <a:p>
+            <a:pPr algn="ctr"/>
+            <a:r>
+              <a:rPr lang="en-US" sz="5000" b="1" dirty="0">
+                <a:latin typeface="Times New Roman" panose="02020603050405020304" pitchFamily="18" charset="0"/>
+                <a:cs typeface="Times New Roman" panose="02020603050405020304" pitchFamily="18" charset="0"/>
+              </a:rPr>
+              <a:t>Narration based on head direction</a:t>
+            </a:r>
+          </a:p>
+        </p:txBody>
+      </p:sp>
+      <p:sp>
+        <p:nvSpPr>
+          <p:cNvPr id="13" name="TextBox 12">
+            <a:extLst>
+              <a:ext uri="{FF2B5EF4-FFF2-40B4-BE49-F238E27FC236}">
+                <a16:creationId xmlns:a16="http://schemas.microsoft.com/office/drawing/2014/main" id="{89A11050-E8C0-42C3-A1C4-DAC1D8208221}"/>
+              </a:ext>
+            </a:extLst>
+          </p:cNvPr>
+          <p:cNvSpPr txBox="1"/>
+          <p:nvPr/>
+        </p:nvSpPr>
+        <p:spPr>
+          <a:xfrm>
+            <a:off x="30191252" y="22230214"/>
+            <a:ext cx="4957184" cy="861774"/>
+          </a:xfrm>
+          <a:prstGeom prst="rect">
+            <a:avLst/>
+          </a:prstGeom>
+          <a:noFill/>
+        </p:spPr>
+        <p:txBody>
+          <a:bodyPr wrap="square" rtlCol="0">
+            <a:spAutoFit/>
+          </a:bodyPr>
+          <a:lstStyle/>
+          <a:p>
+            <a:pPr algn="ctr"/>
+            <a:r>
+              <a:rPr lang="en-US" sz="5000" b="1" dirty="0">
+                <a:latin typeface="Times New Roman" panose="02020603050405020304" pitchFamily="18" charset="0"/>
+                <a:cs typeface="Times New Roman" panose="02020603050405020304" pitchFamily="18" charset="0"/>
+              </a:rPr>
+              <a:t>Main Equipment</a:t>
+            </a:r>
+          </a:p>
+        </p:txBody>
+      </p:sp>
+      <p:sp>
+        <p:nvSpPr>
+          <p:cNvPr id="68" name="Rectangle 67">
+            <a:extLst>
+              <a:ext uri="{FF2B5EF4-FFF2-40B4-BE49-F238E27FC236}">
+                <a16:creationId xmlns:a16="http://schemas.microsoft.com/office/drawing/2014/main" id="{B754B6E2-C0AE-423A-A638-ACCE50F06A52}"/>
+              </a:ext>
+            </a:extLst>
+          </p:cNvPr>
+          <p:cNvSpPr/>
+          <p:nvPr/>
+        </p:nvSpPr>
+        <p:spPr>
+          <a:xfrm>
+            <a:off x="36404531" y="22159689"/>
+            <a:ext cx="5472412" cy="861774"/>
+          </a:xfrm>
+          <a:prstGeom prst="rect">
+            <a:avLst/>
+          </a:prstGeom>
+          <a:solidFill>
+            <a:schemeClr val="accent2"/>
+          </a:solidFill>
+        </p:spPr>
+        <p:style>
+          <a:lnRef idx="2">
+            <a:schemeClr val="accent1">
+              <a:shade val="50000"/>
+            </a:schemeClr>
+          </a:lnRef>
+          <a:fillRef idx="1">
+            <a:schemeClr val="accent1"/>
+          </a:fillRef>
+          <a:effectRef idx="0">
+            <a:schemeClr val="accent1"/>
+          </a:effectRef>
+          <a:fontRef idx="minor">
+            <a:schemeClr val="lt1"/>
+          </a:fontRef>
+        </p:style>
+        <p:txBody>
+          <a:bodyPr rtlCol="0" anchor="ctr"/>
+          <a:lstStyle/>
+          <a:p>
+            <a:pPr algn="ctr"/>
+            <a:endParaRPr lang="en-US"/>
+          </a:p>
+        </p:txBody>
+      </p:sp>
+      <p:sp>
+        <p:nvSpPr>
+          <p:cNvPr id="66" name="TextBox 65">
+            <a:extLst>
+              <a:ext uri="{FF2B5EF4-FFF2-40B4-BE49-F238E27FC236}">
+                <a16:creationId xmlns:a16="http://schemas.microsoft.com/office/drawing/2014/main" id="{2B6C9A8C-461B-41FD-A955-8307AFC52674}"/>
+              </a:ext>
+            </a:extLst>
+          </p:cNvPr>
+          <p:cNvSpPr txBox="1"/>
+          <p:nvPr/>
+        </p:nvSpPr>
+        <p:spPr>
+          <a:xfrm>
+            <a:off x="36702132" y="22203849"/>
+            <a:ext cx="4957184" cy="861774"/>
+          </a:xfrm>
+          <a:prstGeom prst="rect">
+            <a:avLst/>
+          </a:prstGeom>
+          <a:noFill/>
+        </p:spPr>
+        <p:txBody>
+          <a:bodyPr wrap="square" rtlCol="0">
+            <a:spAutoFit/>
+          </a:bodyPr>
+          <a:lstStyle/>
+          <a:p>
+            <a:pPr algn="ctr"/>
+            <a:r>
+              <a:rPr lang="en-US" sz="5000" b="1" dirty="0">
+                <a:latin typeface="Times New Roman" panose="02020603050405020304" pitchFamily="18" charset="0"/>
+                <a:cs typeface="Times New Roman" panose="02020603050405020304" pitchFamily="18" charset="0"/>
+              </a:rPr>
+              <a:t>Project website</a:t>
+            </a:r>
+          </a:p>
+        </p:txBody>
+      </p:sp>
+      <p:sp>
+        <p:nvSpPr>
+          <p:cNvPr id="69" name="Rectangle 68">
+            <a:extLst>
+              <a:ext uri="{FF2B5EF4-FFF2-40B4-BE49-F238E27FC236}">
+                <a16:creationId xmlns:a16="http://schemas.microsoft.com/office/drawing/2014/main" id="{5BC1AA30-127F-454D-8792-D016FBE93433}"/>
+              </a:ext>
+            </a:extLst>
+          </p:cNvPr>
+          <p:cNvSpPr/>
+          <p:nvPr/>
+        </p:nvSpPr>
+        <p:spPr>
+          <a:xfrm>
+            <a:off x="29728679" y="26251196"/>
+            <a:ext cx="5895793" cy="737066"/>
+          </a:xfrm>
+          <a:prstGeom prst="rect">
+            <a:avLst/>
+          </a:prstGeom>
+          <a:solidFill>
+            <a:schemeClr val="accent2"/>
+          </a:solidFill>
+        </p:spPr>
+        <p:style>
+          <a:lnRef idx="2">
+            <a:schemeClr val="accent1">
+              <a:shade val="50000"/>
+            </a:schemeClr>
+          </a:lnRef>
+          <a:fillRef idx="1">
+            <a:schemeClr val="accent1"/>
+          </a:fillRef>
+          <a:effectRef idx="0">
+            <a:schemeClr val="accent1"/>
+          </a:effectRef>
+          <a:fontRef idx="minor">
+            <a:schemeClr val="lt1"/>
+          </a:fontRef>
+        </p:style>
+        <p:txBody>
+          <a:bodyPr rtlCol="0" anchor="ctr"/>
+          <a:lstStyle/>
+          <a:p>
+            <a:pPr algn="ctr"/>
+            <a:endParaRPr lang="en-US"/>
+          </a:p>
+        </p:txBody>
+      </p:sp>
+      <p:sp>
+        <p:nvSpPr>
+          <p:cNvPr id="52" name="TextBox 51">
+            <a:extLst>
+              <a:ext uri="{FF2B5EF4-FFF2-40B4-BE49-F238E27FC236}">
+                <a16:creationId xmlns:a16="http://schemas.microsoft.com/office/drawing/2014/main" id="{0F28130B-5935-46D9-95CE-6F7C23A20D93}"/>
+              </a:ext>
+            </a:extLst>
+          </p:cNvPr>
+          <p:cNvSpPr txBox="1"/>
+          <p:nvPr/>
+        </p:nvSpPr>
+        <p:spPr>
+          <a:xfrm>
+            <a:off x="27684068" y="26188842"/>
+            <a:ext cx="8375453" cy="861774"/>
+          </a:xfrm>
+          <a:prstGeom prst="rect">
+            <a:avLst/>
+          </a:prstGeom>
+          <a:noFill/>
+        </p:spPr>
+        <p:txBody>
+          <a:bodyPr wrap="square" rtlCol="0">
+            <a:spAutoFit/>
+          </a:bodyPr>
+          <a:lstStyle/>
+          <a:p>
+            <a:pPr algn="ctr"/>
+            <a:r>
+              <a:rPr lang="en-US" sz="5000" b="1" dirty="0">
+                <a:latin typeface="Times New Roman" panose="02020603050405020304" pitchFamily="18" charset="0"/>
+                <a:cs typeface="Times New Roman" panose="02020603050405020304" pitchFamily="18" charset="0"/>
+              </a:rPr>
+              <a:t>    References</a:t>
+            </a:r>
+          </a:p>
+        </p:txBody>
+      </p:sp>
+      <p:pic>
+        <p:nvPicPr>
+          <p:cNvPr id="11" name="Picture 4" descr="Image result for Swinburne logo">
+            <a:extLst>
+              <a:ext uri="{FF2B5EF4-FFF2-40B4-BE49-F238E27FC236}">
+                <a16:creationId xmlns:a16="http://schemas.microsoft.com/office/drawing/2014/main" id="{E0364D39-CA09-4EEF-9CBE-6A7D04B90D0C}"/>
+              </a:ext>
+            </a:extLst>
+          </p:cNvPr>
+          <p:cNvPicPr>
+            <a:picLocks noChangeAspect="1" noChangeArrowheads="1"/>
+          </p:cNvPicPr>
+          <p:nvPr/>
+        </p:nvPicPr>
+        <p:blipFill>
+          <a:blip r:embed="rId14">
+            <a:extLst>
+              <a:ext uri="{28A0092B-C50C-407E-A947-70E740481C1C}">
+                <a14:useLocalDpi xmlns:a14="http://schemas.microsoft.com/office/drawing/2010/main" val="0"/>
+              </a:ext>
+            </a:extLst>
+          </a:blip>
+          <a:srcRect/>
+          <a:stretch>
+            <a:fillRect/>
+          </a:stretch>
+        </p:blipFill>
+        <p:spPr bwMode="auto">
+          <a:xfrm>
+            <a:off x="-917" y="-76100"/>
+            <a:ext cx="6066051" cy="2982958"/>
+          </a:xfrm>
+          <a:prstGeom prst="rect">
+            <a:avLst/>
+          </a:prstGeom>
+          <a:noFill/>
+          <a:extLst>
+            <a:ext uri="{909E8E84-426E-40DD-AFC4-6F175D3DCCD1}">
+              <a14:hiddenFill xmlns:a14="http://schemas.microsoft.com/office/drawing/2010/main">
+                <a:solidFill>
+                  <a:srgbClr val="FFFFFF"/>
+                </a:solidFill>
+              </a14:hiddenFill>
+            </a:ext>
+          </a:extLst>
+        </p:spPr>
+      </p:pic>
     </p:spTree>
     <p:extLst>
       <p:ext uri="{BB962C8B-B14F-4D97-AF65-F5344CB8AC3E}">

--- a/research/com/assets/Vision Impair Poster.pptx
+++ b/research/com/assets/Vision Impair Poster.pptx
@@ -243,7 +243,7 @@
           <a:p>
             <a:fld id="{1A216F65-0C9C-45E1-BCCD-B29180FE12C4}" type="datetimeFigureOut">
               <a:rPr lang="en-US" smtClean="0"/>
-              <a:t>2/27/2018</a:t>
+              <a:t>3/20/2018</a:t>
             </a:fld>
             <a:endParaRPr lang="en-US"/>
           </a:p>
@@ -413,7 +413,7 @@
           <a:p>
             <a:fld id="{1A216F65-0C9C-45E1-BCCD-B29180FE12C4}" type="datetimeFigureOut">
               <a:rPr lang="en-US" smtClean="0"/>
-              <a:t>2/27/2018</a:t>
+              <a:t>3/20/2018</a:t>
             </a:fld>
             <a:endParaRPr lang="en-US"/>
           </a:p>
@@ -593,7 +593,7 @@
           <a:p>
             <a:fld id="{1A216F65-0C9C-45E1-BCCD-B29180FE12C4}" type="datetimeFigureOut">
               <a:rPr lang="en-US" smtClean="0"/>
-              <a:t>2/27/2018</a:t>
+              <a:t>3/20/2018</a:t>
             </a:fld>
             <a:endParaRPr lang="en-US"/>
           </a:p>
@@ -763,7 +763,7 @@
           <a:p>
             <a:fld id="{1A216F65-0C9C-45E1-BCCD-B29180FE12C4}" type="datetimeFigureOut">
               <a:rPr lang="en-US" smtClean="0"/>
-              <a:t>2/27/2018</a:t>
+              <a:t>3/20/2018</a:t>
             </a:fld>
             <a:endParaRPr lang="en-US"/>
           </a:p>
@@ -1007,7 +1007,7 @@
           <a:p>
             <a:fld id="{1A216F65-0C9C-45E1-BCCD-B29180FE12C4}" type="datetimeFigureOut">
               <a:rPr lang="en-US" smtClean="0"/>
-              <a:t>2/27/2018</a:t>
+              <a:t>3/20/2018</a:t>
             </a:fld>
             <a:endParaRPr lang="en-US"/>
           </a:p>
@@ -1239,7 +1239,7 @@
           <a:p>
             <a:fld id="{1A216F65-0C9C-45E1-BCCD-B29180FE12C4}" type="datetimeFigureOut">
               <a:rPr lang="en-US" smtClean="0"/>
-              <a:t>2/27/2018</a:t>
+              <a:t>3/20/2018</a:t>
             </a:fld>
             <a:endParaRPr lang="en-US"/>
           </a:p>
@@ -1606,7 +1606,7 @@
           <a:p>
             <a:fld id="{1A216F65-0C9C-45E1-BCCD-B29180FE12C4}" type="datetimeFigureOut">
               <a:rPr lang="en-US" smtClean="0"/>
-              <a:t>2/27/2018</a:t>
+              <a:t>3/20/2018</a:t>
             </a:fld>
             <a:endParaRPr lang="en-US"/>
           </a:p>
@@ -1724,7 +1724,7 @@
           <a:p>
             <a:fld id="{1A216F65-0C9C-45E1-BCCD-B29180FE12C4}" type="datetimeFigureOut">
               <a:rPr lang="en-US" smtClean="0"/>
-              <a:t>2/27/2018</a:t>
+              <a:t>3/20/2018</a:t>
             </a:fld>
             <a:endParaRPr lang="en-US"/>
           </a:p>
@@ -1819,7 +1819,7 @@
           <a:p>
             <a:fld id="{1A216F65-0C9C-45E1-BCCD-B29180FE12C4}" type="datetimeFigureOut">
               <a:rPr lang="en-US" smtClean="0"/>
-              <a:t>2/27/2018</a:t>
+              <a:t>3/20/2018</a:t>
             </a:fld>
             <a:endParaRPr lang="en-US"/>
           </a:p>
@@ -2096,7 +2096,7 @@
           <a:p>
             <a:fld id="{1A216F65-0C9C-45E1-BCCD-B29180FE12C4}" type="datetimeFigureOut">
               <a:rPr lang="en-US" smtClean="0"/>
-              <a:t>2/27/2018</a:t>
+              <a:t>3/20/2018</a:t>
             </a:fld>
             <a:endParaRPr lang="en-US"/>
           </a:p>
@@ -2353,7 +2353,7 @@
           <a:p>
             <a:fld id="{1A216F65-0C9C-45E1-BCCD-B29180FE12C4}" type="datetimeFigureOut">
               <a:rPr lang="en-US" smtClean="0"/>
-              <a:t>2/27/2018</a:t>
+              <a:t>3/20/2018</a:t>
             </a:fld>
             <a:endParaRPr lang="en-US"/>
           </a:p>
@@ -2566,7 +2566,7 @@
           <a:p>
             <a:fld id="{1A216F65-0C9C-45E1-BCCD-B29180FE12C4}" type="datetimeFigureOut">
               <a:rPr lang="en-US" smtClean="0"/>
-              <a:t>2/27/2018</a:t>
+              <a:t>3/20/2018</a:t>
             </a:fld>
             <a:endParaRPr lang="en-US"/>
           </a:p>
